--- a/presentation/interim_presentation.pptx
+++ b/presentation/interim_presentation.pptx
@@ -16,10 +16,10 @@
     <p:sldId id="277" r:id="rId4"/>
     <p:sldId id="272" r:id="rId5"/>
     <p:sldId id="278" r:id="rId6"/>
-    <p:sldId id="279" r:id="rId7"/>
+    <p:sldId id="283" r:id="rId7"/>
     <p:sldId id="275" r:id="rId8"/>
-    <p:sldId id="282" r:id="rId9"/>
-    <p:sldId id="281" r:id="rId10"/>
+    <p:sldId id="279" r:id="rId9"/>
+    <p:sldId id="284" r:id="rId10"/>
     <p:sldId id="274" r:id="rId11"/>
   </p:sldIdLst>
   <p:sldSz cx="12192000" cy="6858000"/>
@@ -133,6 +133,9 @@
           </p15:clr>
         </p15:guide>
       </p15:sldGuideLst>
+    </p:ext>
+    <p:ext uri="{2D200454-40CA-4A62-9FC3-DE9A4176ACB9}">
+      <p15:notesGuideLst xmlns:p15="http://schemas.microsoft.com/office/powerpoint/2012/main"/>
     </p:ext>
   </p:extLst>
 </p:presentation>
@@ -9584,20 +9587,236 @@
           <a:p>
             <a:pPr lvl="1"/>
             <a:r>
+              <a:rPr lang="en-DE" dirty="0"/>
+              <a:t>Fearures especially in use:</a:t>
+            </a:r>
+          </a:p>
+          <a:p>
+            <a:pPr lvl="2"/>
+            <a:r>
               <a:rPr lang="en-GB" dirty="0"/>
-              <a:t>D</a:t>
-            </a:r>
-            <a:r>
-              <a:rPr lang="en-DE" dirty="0"/>
-              <a:t>ata set starts in November 2022</a:t>
-            </a:r>
-          </a:p>
-          <a:p>
-            <a:pPr lvl="1"/>
-            <a:r>
-              <a:rPr lang="en-DE" dirty="0"/>
-              <a:t>Investment related data starts in January 2023</a:t>
-            </a:r>
+              <a:t>F3A21_1: ”</a:t>
+            </a:r>
+            <a:r>
+              <a:rPr lang="en-GB" dirty="0" err="1"/>
+              <a:t>Aktuell</a:t>
+            </a:r>
+            <a:r>
+              <a:rPr lang="en-GB" dirty="0"/>
+              <a:t> </a:t>
+            </a:r>
+            <a:r>
+              <a:rPr lang="en-GB" dirty="0" err="1"/>
+              <a:t>ergibt</a:t>
+            </a:r>
+            <a:r>
+              <a:rPr lang="en-GB" dirty="0"/>
+              <a:t> es Sinn in </a:t>
+            </a:r>
+            <a:r>
+              <a:rPr lang="en-GB" dirty="0" err="1"/>
+              <a:t>Aktien</a:t>
+            </a:r>
+            <a:r>
+              <a:rPr lang="en-GB" dirty="0"/>
+              <a:t> </a:t>
+            </a:r>
+            <a:r>
+              <a:rPr lang="en-GB" dirty="0" err="1"/>
+              <a:t>zu</a:t>
+            </a:r>
+            <a:r>
+              <a:rPr lang="en-GB" dirty="0"/>
+              <a:t> </a:t>
+            </a:r>
+            <a:r>
+              <a:rPr lang="en-GB" dirty="0" err="1"/>
+              <a:t>investieren</a:t>
+            </a:r>
+            <a:r>
+              <a:rPr lang="en-GB" dirty="0"/>
+              <a:t>”</a:t>
+            </a:r>
+          </a:p>
+          <a:p>
+            <a:pPr lvl="2"/>
+            <a:r>
+              <a:rPr lang="en-GB" dirty="0"/>
+              <a:t>F71invest: “</a:t>
+            </a:r>
+            <a:r>
+              <a:rPr lang="en-GB" dirty="0" err="1"/>
+              <a:t>Investieren</a:t>
+            </a:r>
+            <a:r>
+              <a:rPr lang="en-GB" dirty="0"/>
+              <a:t> Sie </a:t>
+            </a:r>
+            <a:r>
+              <a:rPr lang="en-GB" dirty="0" err="1"/>
+              <a:t>momentan</a:t>
+            </a:r>
+            <a:r>
+              <a:rPr lang="en-GB" dirty="0"/>
+              <a:t> in den </a:t>
+            </a:r>
+            <a:r>
+              <a:rPr lang="en-GB" dirty="0" err="1"/>
+              <a:t>Aktienmarkt</a:t>
+            </a:r>
+            <a:r>
+              <a:rPr lang="en-GB" dirty="0"/>
+              <a:t>”</a:t>
+            </a:r>
+          </a:p>
+          <a:p>
+            <a:pPr lvl="2"/>
+            <a:r>
+              <a:rPr lang="en-GB" dirty="0"/>
+              <a:t>F5A10_2: “Wie </a:t>
+            </a:r>
+            <a:r>
+              <a:rPr lang="en-GB" dirty="0" err="1"/>
+              <a:t>viel</a:t>
+            </a:r>
+            <a:r>
+              <a:rPr lang="en-GB" dirty="0"/>
+              <a:t> </a:t>
+            </a:r>
+            <a:r>
+              <a:rPr lang="en-GB" dirty="0" err="1"/>
+              <a:t>Vertrauen</a:t>
+            </a:r>
+            <a:r>
+              <a:rPr lang="en-GB" dirty="0"/>
+              <a:t> </a:t>
+            </a:r>
+            <a:r>
+              <a:rPr lang="en-GB" dirty="0" err="1"/>
+              <a:t>haben</a:t>
+            </a:r>
+            <a:r>
+              <a:rPr lang="en-GB" dirty="0"/>
+              <a:t> Sie in den </a:t>
+            </a:r>
+            <a:r>
+              <a:rPr lang="en-GB" dirty="0" err="1"/>
+              <a:t>Aktienmarkt</a:t>
+            </a:r>
+            <a:r>
+              <a:rPr lang="en-GB" dirty="0"/>
+              <a:t>”</a:t>
+            </a:r>
+          </a:p>
+          <a:p>
+            <a:pPr lvl="2"/>
+            <a:r>
+              <a:rPr lang="en-GB" dirty="0"/>
+              <a:t>F5a: ”Wie </a:t>
+            </a:r>
+            <a:r>
+              <a:rPr lang="en-GB" dirty="0" err="1"/>
+              <a:t>häufig</a:t>
+            </a:r>
+            <a:r>
+              <a:rPr lang="en-GB" dirty="0"/>
+              <a:t> </a:t>
+            </a:r>
+            <a:r>
+              <a:rPr lang="en-GB" dirty="0" err="1"/>
+              <a:t>beziehen</a:t>
+            </a:r>
+            <a:r>
+              <a:rPr lang="en-GB" dirty="0"/>
+              <a:t> Sie </a:t>
+            </a:r>
+            <a:r>
+              <a:rPr lang="en-GB" dirty="0" err="1"/>
+              <a:t>Nachrichten</a:t>
+            </a:r>
+            <a:r>
+              <a:rPr lang="en-GB" dirty="0"/>
+              <a:t> </a:t>
+            </a:r>
+            <a:r>
+              <a:rPr lang="en-GB" dirty="0" err="1"/>
+              <a:t>aus</a:t>
+            </a:r>
+            <a:r>
+              <a:rPr lang="en-GB" dirty="0"/>
+              <a:t> den </a:t>
+            </a:r>
+            <a:r>
+              <a:rPr lang="en-GB" dirty="0" err="1"/>
+              <a:t>Quellen</a:t>
+            </a:r>
+            <a:r>
+              <a:rPr lang="en-GB" dirty="0"/>
+              <a:t>? … ”</a:t>
+            </a:r>
+          </a:p>
+          <a:p>
+            <a:pPr lvl="2"/>
+            <a:r>
+              <a:rPr lang="en-GB" dirty="0"/>
+              <a:t>F5b: “Auf </a:t>
+            </a:r>
+            <a:r>
+              <a:rPr lang="en-GB" dirty="0" err="1"/>
+              <a:t>welche</a:t>
+            </a:r>
+            <a:r>
+              <a:rPr lang="en-GB" dirty="0"/>
+              <a:t> </a:t>
+            </a:r>
+            <a:r>
+              <a:rPr lang="en-GB" dirty="0" err="1"/>
+              <a:t>Kanäle</a:t>
+            </a:r>
+            <a:r>
+              <a:rPr lang="en-GB" dirty="0"/>
+              <a:t> </a:t>
+            </a:r>
+            <a:r>
+              <a:rPr lang="en-GB" dirty="0" err="1"/>
+              <a:t>greifen</a:t>
+            </a:r>
+            <a:r>
+              <a:rPr lang="en-GB" dirty="0"/>
+              <a:t> Sie </a:t>
+            </a:r>
+            <a:r>
+              <a:rPr lang="en-GB" dirty="0" err="1"/>
+              <a:t>dabei</a:t>
+            </a:r>
+            <a:r>
+              <a:rPr lang="en-GB" dirty="0"/>
+              <a:t> </a:t>
+            </a:r>
+            <a:r>
+              <a:rPr lang="en-GB" dirty="0" err="1"/>
+              <a:t>zu</a:t>
+            </a:r>
+            <a:r>
+              <a:rPr lang="en-GB" dirty="0"/>
+              <a:t>? … ”</a:t>
+            </a:r>
+          </a:p>
+          <a:p>
+            <a:pPr lvl="2"/>
+            <a:r>
+              <a:rPr lang="en-GB" dirty="0" err="1"/>
+              <a:t>i_START</a:t>
+            </a:r>
+            <a:r>
+              <a:rPr lang="en-GB" dirty="0"/>
+              <a:t> / </a:t>
+            </a:r>
+            <a:r>
+              <a:rPr lang="en-GB" dirty="0" err="1"/>
+              <a:t>i_END</a:t>
+            </a:r>
+            <a:endParaRPr lang="en-DE" dirty="0"/>
           </a:p>
           <a:p>
             <a:pPr lvl="1"/>
@@ -9715,7 +9934,7 @@
           <a:p>
             <a:r>
               <a:rPr lang="en-DE" dirty="0"/>
-              <a:t>Data – General Analytics and Preprocessing</a:t>
+              <a:t>Data</a:t>
             </a:r>
           </a:p>
         </p:txBody>
@@ -9781,52 +10000,36 @@
           </a:p>
           <a:p>
             <a:r>
+              <a:rPr lang="en-GB" b="0" dirty="0"/>
+              <a:t>S</a:t>
+            </a:r>
+            <a:r>
+              <a:rPr lang="en-DE" b="0" dirty="0"/>
+              <a:t>imultaniously estimate latent variables and causal relationships between them</a:t>
+            </a:r>
+          </a:p>
+          <a:p>
+            <a:endParaRPr lang="en-DE" dirty="0"/>
+          </a:p>
+          <a:p>
+            <a:r>
               <a:rPr lang="en-DE" dirty="0"/>
-              <a:t>Step 1: Define a model</a:t>
-            </a:r>
-          </a:p>
-          <a:p>
-            <a:pPr lvl="1"/>
+              <a:t>Step 1: Define how latent variables depend on observed variables</a:t>
+            </a:r>
+          </a:p>
+          <a:p>
             <a:r>
               <a:rPr lang="en-DE" dirty="0"/>
-              <a:t>What dependencies do we assume?</a:t>
+              <a:t>Step 2: Define causal relationships between latent variables</a:t>
             </a:r>
           </a:p>
           <a:p>
             <a:r>
               <a:rPr lang="en-DE" dirty="0"/>
-              <a:t>Step 2: Define those dependencies</a:t>
-            </a:r>
-          </a:p>
-          <a:p>
-            <a:pPr lvl="1"/>
-            <a:r>
-              <a:rPr lang="en-DE" dirty="0"/>
-              <a:t>Which observable variabels do we have?</a:t>
-            </a:r>
-          </a:p>
-          <a:p>
-            <a:pPr lvl="1"/>
-            <a:r>
-              <a:rPr lang="en-DE" dirty="0"/>
-              <a:t>How are latent variables connected to theese?</a:t>
-            </a:r>
-          </a:p>
-          <a:p>
-            <a:r>
-              <a:rPr lang="en-DE" dirty="0"/>
-              <a:t>Step 3: Define additional connection links</a:t>
-            </a:r>
-          </a:p>
-          <a:p>
-            <a:pPr lvl="1"/>
-            <a:r>
-              <a:rPr lang="en-DE" dirty="0"/>
-              <a:t>Which connections do exist inbetween the observed variables?</a:t>
-            </a:r>
-          </a:p>
-          <a:p>
-            <a:pPr lvl="1"/>
+              <a:t>Step 3: Define additional connection links between observed variables</a:t>
+            </a:r>
+          </a:p>
+          <a:p>
             <a:endParaRPr lang="en-DE" dirty="0"/>
           </a:p>
           <a:p>
@@ -9836,7 +10039,7 @@
             </a:r>
             <a:r>
               <a:rPr lang="en-GB" dirty="0"/>
-              <a:t>I</a:t>
+              <a:t>i</a:t>
             </a:r>
             <a:r>
               <a:rPr lang="en-DE" dirty="0"/>
@@ -9966,7 +10169,7 @@
           <p:cNvPr id="2" name="Content Placeholder 1">
             <a:extLst>
               <a:ext uri="{FF2B5EF4-FFF2-40B4-BE49-F238E27FC236}">
-                <a16:creationId xmlns:a16="http://schemas.microsoft.com/office/drawing/2014/main" id="{630FB2E0-5A59-D440-8403-75265E25B17F}"/>
+                <a16:creationId xmlns:a16="http://schemas.microsoft.com/office/drawing/2014/main" id="{B21EF4CE-037A-D977-0FE1-AFC43E846071}"/>
               </a:ext>
             </a:extLst>
           </p:cNvPr>
@@ -9982,10 +10185,7 @@
           <a:bodyPr/>
           <a:lstStyle/>
           <a:p>
-            <a:r>
-              <a:rPr lang="en-DE" dirty="0"/>
-              <a:t>Opinion on Timing of investment = Economical Situation + Informed Individuals</a:t>
-            </a:r>
+            <a:endParaRPr lang="en-DE"/>
           </a:p>
         </p:txBody>
       </p:sp>
@@ -9994,7 +10194,7 @@
           <p:cNvPr id="3" name="Date Placeholder 2">
             <a:extLst>
               <a:ext uri="{FF2B5EF4-FFF2-40B4-BE49-F238E27FC236}">
-                <a16:creationId xmlns:a16="http://schemas.microsoft.com/office/drawing/2014/main" id="{F00729DC-384A-3998-6A57-0956F5B1ECC7}"/>
+                <a16:creationId xmlns:a16="http://schemas.microsoft.com/office/drawing/2014/main" id="{7D3FD53B-0005-1077-EB27-B125610A8753}"/>
               </a:ext>
             </a:extLst>
           </p:cNvPr>
@@ -10023,7 +10223,7 @@
           <p:cNvPr id="4" name="Slide Number Placeholder 3">
             <a:extLst>
               <a:ext uri="{FF2B5EF4-FFF2-40B4-BE49-F238E27FC236}">
-                <a16:creationId xmlns:a16="http://schemas.microsoft.com/office/drawing/2014/main" id="{DB7FAB24-E26F-42CA-A1B4-988C4260F080}"/>
+                <a16:creationId xmlns:a16="http://schemas.microsoft.com/office/drawing/2014/main" id="{7E689195-355B-DB5F-3621-0776DDD8AF0A}"/>
               </a:ext>
             </a:extLst>
           </p:cNvPr>
@@ -10052,7 +10252,7 @@
           <p:cNvPr id="5" name="Title 4">
             <a:extLst>
               <a:ext uri="{FF2B5EF4-FFF2-40B4-BE49-F238E27FC236}">
-                <a16:creationId xmlns:a16="http://schemas.microsoft.com/office/drawing/2014/main" id="{7A4642D6-635C-90A5-F2C2-52A010A5DBFC}"/>
+                <a16:creationId xmlns:a16="http://schemas.microsoft.com/office/drawing/2014/main" id="{CB7328D1-8CFC-3CE0-099D-8FC285C8DB5A}"/>
               </a:ext>
             </a:extLst>
           </p:cNvPr>
@@ -10068,17 +10268,14 @@
           <a:bodyPr/>
           <a:lstStyle/>
           <a:p>
-            <a:r>
-              <a:rPr lang="en-DE" dirty="0"/>
-              <a:t>SEM – Dependency Assumption</a:t>
-            </a:r>
+            <a:endParaRPr lang="en-DE" dirty="0"/>
           </a:p>
         </p:txBody>
       </p:sp>
     </p:spTree>
     <p:extLst>
       <p:ext uri="{BB962C8B-B14F-4D97-AF65-F5344CB8AC3E}">
-        <p14:creationId xmlns:p14="http://schemas.microsoft.com/office/powerpoint/2010/main" val="2835002326"/>
+        <p14:creationId xmlns:p14="http://schemas.microsoft.com/office/powerpoint/2010/main" val="2029504176"/>
       </p:ext>
     </p:extLst>
   </p:cSld>
@@ -10243,7 +10440,9 @@
         </p:nvSpPr>
         <p:spPr/>
         <p:txBody>
-          <a:bodyPr/>
+          <a:bodyPr>
+            <a:normAutofit lnSpcReduction="10000"/>
+          </a:bodyPr>
           <a:lstStyle/>
           <a:p>
             <a:r>
@@ -10256,10 +10455,21 @@
             </a:r>
           </a:p>
           <a:p>
+            <a:endParaRPr lang="en-DE" dirty="0">
+              <a:solidFill>
+                <a:schemeClr val="tx2"/>
+              </a:solidFill>
+            </a:endParaRPr>
+          </a:p>
+          <a:p>
             <a:endParaRPr lang="en-DE" dirty="0"/>
           </a:p>
           <a:p>
-            <a:endParaRPr lang="en-DE" dirty="0"/>
+            <a:endParaRPr lang="en-GB" dirty="0">
+              <a:solidFill>
+                <a:schemeClr val="accent1"/>
+              </a:solidFill>
+            </a:endParaRPr>
           </a:p>
           <a:p>
             <a:r>
@@ -10283,6 +10493,12 @@
             <a:endParaRPr lang="en-DE" dirty="0"/>
           </a:p>
           <a:p>
+            <a:pPr marL="0" indent="0">
+              <a:buNone/>
+            </a:pPr>
+            <a:endParaRPr lang="en-DE" dirty="0"/>
+          </a:p>
+          <a:p>
             <a:endParaRPr lang="en-DE" dirty="0"/>
           </a:p>
           <a:p>
@@ -10388,7 +10604,7 @@
           <a:p>
             <a:r>
               <a:rPr lang="en-DE" dirty="0"/>
-              <a:t>SEM - Dependencies observed and latent variables </a:t>
+              <a:t>SEM - Dependencies Observed and Latent Variables </a:t>
             </a:r>
           </a:p>
         </p:txBody>
@@ -10453,18 +10669,18 @@
       </p:grpSpPr>
       <p:sp>
         <p:nvSpPr>
-          <p:cNvPr id="10" name="Content Placeholder 9">
-            <a:extLst>
-              <a:ext uri="{FF2B5EF4-FFF2-40B4-BE49-F238E27FC236}">
-                <a16:creationId xmlns:a16="http://schemas.microsoft.com/office/drawing/2014/main" id="{BE50B052-EAE8-C7F8-D81C-C6A21B81A553}"/>
-              </a:ext>
-            </a:extLst>
-          </p:cNvPr>
-          <p:cNvSpPr>
-            <a:spLocks noGrp="1"/>
-          </p:cNvSpPr>
-          <p:nvPr>
-            <p:ph idx="1"/>
+          <p:cNvPr id="3" name="Date Placeholder 2">
+            <a:extLst>
+              <a:ext uri="{FF2B5EF4-FFF2-40B4-BE49-F238E27FC236}">
+                <a16:creationId xmlns:a16="http://schemas.microsoft.com/office/drawing/2014/main" id="{F00729DC-384A-3998-6A57-0956F5B1ECC7}"/>
+              </a:ext>
+            </a:extLst>
+          </p:cNvPr>
+          <p:cNvSpPr>
+            <a:spLocks noGrp="1"/>
+          </p:cNvSpPr>
+          <p:nvPr>
+            <p:ph type="dt" sz="half" idx="10"/>
           </p:nvPr>
         </p:nvSpPr>
         <p:spPr/>
@@ -10472,27 +10688,28 @@
           <a:bodyPr/>
           <a:lstStyle/>
           <a:p>
-            <a:r>
-              <a:rPr lang="en-DE" dirty="0"/>
-              <a:t>Screenshot of Model Definition</a:t>
-            </a:r>
-          </a:p>
-        </p:txBody>
-      </p:sp>
-      <p:sp>
-        <p:nvSpPr>
-          <p:cNvPr id="6" name="Date Placeholder 5">
-            <a:extLst>
-              <a:ext uri="{FF2B5EF4-FFF2-40B4-BE49-F238E27FC236}">
-                <a16:creationId xmlns:a16="http://schemas.microsoft.com/office/drawing/2014/main" id="{50906272-839D-C291-3984-3B5D5FAC8889}"/>
-              </a:ext>
-            </a:extLst>
-          </p:cNvPr>
-          <p:cNvSpPr>
-            <a:spLocks noGrp="1"/>
-          </p:cNvSpPr>
-          <p:nvPr>
-            <p:ph type="dt" sz="half" idx="10"/>
+            <a:fld id="{162C1F81-0292-4658-B990-314031B5EEE0}" type="datetime4">
+              <a:rPr lang="en-US" noProof="0" smtClean="0"/>
+              <a:t>October 16, 2024</a:t>
+            </a:fld>
+            <a:endParaRPr lang="en-US" noProof="0" dirty="0"/>
+          </a:p>
+        </p:txBody>
+      </p:sp>
+      <p:sp>
+        <p:nvSpPr>
+          <p:cNvPr id="4" name="Slide Number Placeholder 3">
+            <a:extLst>
+              <a:ext uri="{FF2B5EF4-FFF2-40B4-BE49-F238E27FC236}">
+                <a16:creationId xmlns:a16="http://schemas.microsoft.com/office/drawing/2014/main" id="{DB7FAB24-E26F-42CA-A1B4-988C4260F080}"/>
+              </a:ext>
+            </a:extLst>
+          </p:cNvPr>
+          <p:cNvSpPr>
+            <a:spLocks noGrp="1"/>
+          </p:cNvSpPr>
+          <p:nvPr>
+            <p:ph type="sldNum" sz="quarter" idx="12"/>
           </p:nvPr>
         </p:nvSpPr>
         <p:spPr/>
@@ -10500,28 +10717,28 @@
           <a:bodyPr/>
           <a:lstStyle/>
           <a:p>
-            <a:fld id="{54BD4C5A-35E9-47D6-BDD6-A15EE1F6811B}" type="datetime4">
-              <a:rPr lang="en-US" smtClean="0"/>
-              <a:t>October 16, 2024</a:t>
+            <a:fld id="{61696EC4-B4CF-4701-AD06-A8439D6D8E12}" type="slidenum">
+              <a:rPr lang="en-US" noProof="0" smtClean="0"/>
+              <a:t>7</a:t>
             </a:fld>
-            <a:endParaRPr lang="de-DE"/>
-          </a:p>
-        </p:txBody>
-      </p:sp>
-      <p:sp>
-        <p:nvSpPr>
-          <p:cNvPr id="7" name="Slide Number Placeholder 6">
-            <a:extLst>
-              <a:ext uri="{FF2B5EF4-FFF2-40B4-BE49-F238E27FC236}">
-                <a16:creationId xmlns:a16="http://schemas.microsoft.com/office/drawing/2014/main" id="{295F84B2-3258-4E9C-2240-0C6E77EF06F6}"/>
-              </a:ext>
-            </a:extLst>
-          </p:cNvPr>
-          <p:cNvSpPr>
-            <a:spLocks noGrp="1"/>
-          </p:cNvSpPr>
-          <p:nvPr>
-            <p:ph type="sldNum" sz="quarter" idx="12"/>
+            <a:endParaRPr lang="en-US" noProof="0" dirty="0"/>
+          </a:p>
+        </p:txBody>
+      </p:sp>
+      <p:sp>
+        <p:nvSpPr>
+          <p:cNvPr id="5" name="Title 4">
+            <a:extLst>
+              <a:ext uri="{FF2B5EF4-FFF2-40B4-BE49-F238E27FC236}">
+                <a16:creationId xmlns:a16="http://schemas.microsoft.com/office/drawing/2014/main" id="{7A4642D6-635C-90A5-F2C2-52A010A5DBFC}"/>
+              </a:ext>
+            </a:extLst>
+          </p:cNvPr>
+          <p:cNvSpPr>
+            <a:spLocks noGrp="1"/>
+          </p:cNvSpPr>
+          <p:nvPr>
+            <p:ph type="title"/>
           </p:nvPr>
         </p:nvSpPr>
         <p:spPr/>
@@ -10529,43 +10746,1576 @@
           <a:bodyPr/>
           <a:lstStyle/>
           <a:p>
-            <a:fld id="{61696EC4-B4CF-4701-AD06-A8439D6D8E12}" type="slidenum">
-              <a:rPr lang="de-DE" smtClean="0"/>
-              <a:t>7</a:t>
-            </a:fld>
-            <a:endParaRPr lang="de-DE"/>
-          </a:p>
-        </p:txBody>
-      </p:sp>
-      <p:sp>
-        <p:nvSpPr>
-          <p:cNvPr id="9" name="Title 8">
-            <a:extLst>
-              <a:ext uri="{FF2B5EF4-FFF2-40B4-BE49-F238E27FC236}">
-                <a16:creationId xmlns:a16="http://schemas.microsoft.com/office/drawing/2014/main" id="{6E620438-5FE4-E56B-A604-AC85307E9200}"/>
-              </a:ext>
-            </a:extLst>
-          </p:cNvPr>
-          <p:cNvSpPr>
-            <a:spLocks noGrp="1"/>
-          </p:cNvSpPr>
-          <p:nvPr>
-            <p:ph type="title"/>
-          </p:nvPr>
-        </p:nvSpPr>
-        <p:spPr/>
-        <p:txBody>
-          <a:bodyPr/>
+            <a:r>
+              <a:rPr lang="en-DE" dirty="0"/>
+              <a:t>SEM – Dependency Assumption</a:t>
+            </a:r>
+          </a:p>
+        </p:txBody>
+      </p:sp>
+      <p:sp>
+        <p:nvSpPr>
+          <p:cNvPr id="6" name="Oval 5">
+            <a:extLst>
+              <a:ext uri="{FF2B5EF4-FFF2-40B4-BE49-F238E27FC236}">
+                <a16:creationId xmlns:a16="http://schemas.microsoft.com/office/drawing/2014/main" id="{7401F212-3385-47A5-E918-DFF2502EA8BF}"/>
+              </a:ext>
+            </a:extLst>
+          </p:cNvPr>
+          <p:cNvSpPr>
+            <a:spLocks/>
+          </p:cNvSpPr>
+          <p:nvPr/>
+        </p:nvSpPr>
+        <p:spPr>
+          <a:xfrm>
+            <a:off x="3269617" y="2957922"/>
+            <a:ext cx="1800000" cy="1800000"/>
+          </a:xfrm>
+          <a:prstGeom prst="ellipse">
+            <a:avLst/>
+          </a:prstGeom>
+          <a:noFill/>
+          <a:ln w="57150">
+            <a:solidFill>
+              <a:schemeClr val="tx2"/>
+            </a:solidFill>
+          </a:ln>
+        </p:spPr>
+        <p:style>
+          <a:lnRef idx="2">
+            <a:schemeClr val="accent1">
+              <a:shade val="15000"/>
+            </a:schemeClr>
+          </a:lnRef>
+          <a:fillRef idx="1">
+            <a:schemeClr val="accent1"/>
+          </a:fillRef>
+          <a:effectRef idx="0">
+            <a:schemeClr val="accent1"/>
+          </a:effectRef>
+          <a:fontRef idx="minor">
+            <a:schemeClr val="lt1"/>
+          </a:fontRef>
+        </p:style>
+        <p:txBody>
+          <a:bodyPr rtlCol="0" anchor="ctr"/>
           <a:lstStyle/>
           <a:p>
+            <a:pPr algn="ctr"/>
             <a:endParaRPr lang="en-DE"/>
           </a:p>
         </p:txBody>
       </p:sp>
+      <p:sp>
+        <p:nvSpPr>
+          <p:cNvPr id="8" name="Oval 7">
+            <a:extLst>
+              <a:ext uri="{FF2B5EF4-FFF2-40B4-BE49-F238E27FC236}">
+                <a16:creationId xmlns:a16="http://schemas.microsoft.com/office/drawing/2014/main" id="{B05B964C-48BC-3B78-CF2A-CB1BD23B5003}"/>
+              </a:ext>
+            </a:extLst>
+          </p:cNvPr>
+          <p:cNvSpPr>
+            <a:spLocks/>
+          </p:cNvSpPr>
+          <p:nvPr/>
+        </p:nvSpPr>
+        <p:spPr>
+          <a:xfrm>
+            <a:off x="5999907" y="1448431"/>
+            <a:ext cx="1800000" cy="1800000"/>
+          </a:xfrm>
+          <a:prstGeom prst="ellipse">
+            <a:avLst/>
+          </a:prstGeom>
+          <a:noFill/>
+          <a:ln w="57150">
+            <a:solidFill>
+              <a:schemeClr val="tx2"/>
+            </a:solidFill>
+          </a:ln>
+        </p:spPr>
+        <p:style>
+          <a:lnRef idx="2">
+            <a:schemeClr val="accent1">
+              <a:shade val="15000"/>
+            </a:schemeClr>
+          </a:lnRef>
+          <a:fillRef idx="1">
+            <a:schemeClr val="accent1"/>
+          </a:fillRef>
+          <a:effectRef idx="0">
+            <a:schemeClr val="accent1"/>
+          </a:effectRef>
+          <a:fontRef idx="minor">
+            <a:schemeClr val="lt1"/>
+          </a:fontRef>
+        </p:style>
+        <p:txBody>
+          <a:bodyPr rtlCol="0" anchor="ctr"/>
+          <a:lstStyle/>
+          <a:p>
+            <a:pPr algn="ctr"/>
+            <a:endParaRPr lang="en-DE"/>
+          </a:p>
+        </p:txBody>
+      </p:sp>
+      <p:sp>
+        <p:nvSpPr>
+          <p:cNvPr id="9" name="Oval 8">
+            <a:extLst>
+              <a:ext uri="{FF2B5EF4-FFF2-40B4-BE49-F238E27FC236}">
+                <a16:creationId xmlns:a16="http://schemas.microsoft.com/office/drawing/2014/main" id="{E3774339-A6D0-3F20-14A0-9B167308E33E}"/>
+              </a:ext>
+            </a:extLst>
+          </p:cNvPr>
+          <p:cNvSpPr>
+            <a:spLocks/>
+          </p:cNvSpPr>
+          <p:nvPr/>
+        </p:nvSpPr>
+        <p:spPr>
+          <a:xfrm>
+            <a:off x="5999907" y="4394730"/>
+            <a:ext cx="1800000" cy="1800000"/>
+          </a:xfrm>
+          <a:prstGeom prst="ellipse">
+            <a:avLst/>
+          </a:prstGeom>
+          <a:noFill/>
+          <a:ln w="57150">
+            <a:solidFill>
+              <a:schemeClr val="tx2"/>
+            </a:solidFill>
+          </a:ln>
+        </p:spPr>
+        <p:style>
+          <a:lnRef idx="2">
+            <a:schemeClr val="accent1">
+              <a:shade val="15000"/>
+            </a:schemeClr>
+          </a:lnRef>
+          <a:fillRef idx="1">
+            <a:schemeClr val="accent1"/>
+          </a:fillRef>
+          <a:effectRef idx="0">
+            <a:schemeClr val="accent1"/>
+          </a:effectRef>
+          <a:fontRef idx="minor">
+            <a:schemeClr val="lt1"/>
+          </a:fontRef>
+        </p:style>
+        <p:txBody>
+          <a:bodyPr rtlCol="0" anchor="ctr"/>
+          <a:lstStyle/>
+          <a:p>
+            <a:pPr algn="ctr"/>
+            <a:endParaRPr lang="en-DE"/>
+          </a:p>
+        </p:txBody>
+      </p:sp>
+      <p:sp>
+        <p:nvSpPr>
+          <p:cNvPr id="10" name="TextBox 9">
+            <a:extLst>
+              <a:ext uri="{FF2B5EF4-FFF2-40B4-BE49-F238E27FC236}">
+                <a16:creationId xmlns:a16="http://schemas.microsoft.com/office/drawing/2014/main" id="{90C83C91-FC91-D40E-8E2E-64BF47C5C6C3}"/>
+              </a:ext>
+            </a:extLst>
+          </p:cNvPr>
+          <p:cNvSpPr txBox="1"/>
+          <p:nvPr/>
+        </p:nvSpPr>
+        <p:spPr>
+          <a:xfrm>
+            <a:off x="3202443" y="3583501"/>
+            <a:ext cx="1934347" cy="584775"/>
+          </a:xfrm>
+          <a:prstGeom prst="rect">
+            <a:avLst/>
+          </a:prstGeom>
+          <a:noFill/>
+        </p:spPr>
+        <p:txBody>
+          <a:bodyPr wrap="square" rtlCol="0">
+            <a:spAutoFit/>
+          </a:bodyPr>
+          <a:lstStyle/>
+          <a:p>
+            <a:pPr algn="ctr"/>
+            <a:r>
+              <a:rPr lang="en-DE" sz="1600" dirty="0"/>
+              <a:t>Opinion on Timing of Investment</a:t>
+            </a:r>
+          </a:p>
+        </p:txBody>
+      </p:sp>
+      <p:sp>
+        <p:nvSpPr>
+          <p:cNvPr id="11" name="TextBox 10">
+            <a:extLst>
+              <a:ext uri="{FF2B5EF4-FFF2-40B4-BE49-F238E27FC236}">
+                <a16:creationId xmlns:a16="http://schemas.microsoft.com/office/drawing/2014/main" id="{EFAAF26F-D6D7-9DEA-3A25-EDA6165E796F}"/>
+              </a:ext>
+            </a:extLst>
+          </p:cNvPr>
+          <p:cNvSpPr txBox="1"/>
+          <p:nvPr/>
+        </p:nvSpPr>
+        <p:spPr>
+          <a:xfrm>
+            <a:off x="6146652" y="2056043"/>
+            <a:ext cx="1506510" cy="584775"/>
+          </a:xfrm>
+          <a:prstGeom prst="rect">
+            <a:avLst/>
+          </a:prstGeom>
+          <a:noFill/>
+        </p:spPr>
+        <p:txBody>
+          <a:bodyPr wrap="square" rtlCol="0">
+            <a:spAutoFit/>
+          </a:bodyPr>
+          <a:lstStyle/>
+          <a:p>
+            <a:pPr algn="ctr"/>
+            <a:r>
+              <a:rPr lang="en-DE" sz="1600" dirty="0"/>
+              <a:t>How Informed are Individuals</a:t>
+            </a:r>
+          </a:p>
+        </p:txBody>
+      </p:sp>
+      <p:sp>
+        <p:nvSpPr>
+          <p:cNvPr id="12" name="TextBox 11">
+            <a:extLst>
+              <a:ext uri="{FF2B5EF4-FFF2-40B4-BE49-F238E27FC236}">
+                <a16:creationId xmlns:a16="http://schemas.microsoft.com/office/drawing/2014/main" id="{7E8D8407-350A-F26B-3F70-4D4EA77EFCF5}"/>
+              </a:ext>
+            </a:extLst>
+          </p:cNvPr>
+          <p:cNvSpPr txBox="1"/>
+          <p:nvPr/>
+        </p:nvSpPr>
+        <p:spPr>
+          <a:xfrm>
+            <a:off x="6048024" y="5002342"/>
+            <a:ext cx="1703766" cy="584775"/>
+          </a:xfrm>
+          <a:prstGeom prst="rect">
+            <a:avLst/>
+          </a:prstGeom>
+          <a:noFill/>
+        </p:spPr>
+        <p:txBody>
+          <a:bodyPr wrap="square" rtlCol="0">
+            <a:spAutoFit/>
+          </a:bodyPr>
+          <a:lstStyle/>
+          <a:p>
+            <a:pPr algn="ctr"/>
+            <a:r>
+              <a:rPr lang="en-DE" sz="1600" dirty="0"/>
+              <a:t>Macroeconomic Indices</a:t>
+            </a:r>
+          </a:p>
+        </p:txBody>
+      </p:sp>
+      <p:cxnSp>
+        <p:nvCxnSpPr>
+          <p:cNvPr id="14" name="Straight Arrow Connector 13">
+            <a:extLst>
+              <a:ext uri="{FF2B5EF4-FFF2-40B4-BE49-F238E27FC236}">
+                <a16:creationId xmlns:a16="http://schemas.microsoft.com/office/drawing/2014/main" id="{2C60AC6B-BEB9-9E75-BDAF-DF180AADB774}"/>
+              </a:ext>
+            </a:extLst>
+          </p:cNvPr>
+          <p:cNvCxnSpPr>
+            <a:cxnSpLocks/>
+            <a:stCxn id="8" idx="2"/>
+            <a:endCxn id="6" idx="7"/>
+          </p:cNvCxnSpPr>
+          <p:nvPr/>
+        </p:nvCxnSpPr>
+        <p:spPr>
+          <a:xfrm flipH="1">
+            <a:off x="4806013" y="2348431"/>
+            <a:ext cx="1193894" cy="873095"/>
+          </a:xfrm>
+          <a:prstGeom prst="straightConnector1">
+            <a:avLst/>
+          </a:prstGeom>
+          <a:ln w="57150">
+            <a:solidFill>
+              <a:schemeClr val="tx2"/>
+            </a:solidFill>
+            <a:tailEnd type="triangle"/>
+          </a:ln>
+        </p:spPr>
+        <p:style>
+          <a:lnRef idx="1">
+            <a:schemeClr val="accent1"/>
+          </a:lnRef>
+          <a:fillRef idx="0">
+            <a:schemeClr val="accent1"/>
+          </a:fillRef>
+          <a:effectRef idx="0">
+            <a:schemeClr val="accent1"/>
+          </a:effectRef>
+          <a:fontRef idx="minor">
+            <a:schemeClr val="tx1"/>
+          </a:fontRef>
+        </p:style>
+      </p:cxnSp>
+      <p:cxnSp>
+        <p:nvCxnSpPr>
+          <p:cNvPr id="17" name="Straight Arrow Connector 16">
+            <a:extLst>
+              <a:ext uri="{FF2B5EF4-FFF2-40B4-BE49-F238E27FC236}">
+                <a16:creationId xmlns:a16="http://schemas.microsoft.com/office/drawing/2014/main" id="{71DC6EC6-80D6-A965-979E-67195652EB37}"/>
+              </a:ext>
+            </a:extLst>
+          </p:cNvPr>
+          <p:cNvCxnSpPr>
+            <a:stCxn id="9" idx="2"/>
+            <a:endCxn id="6" idx="5"/>
+          </p:cNvCxnSpPr>
+          <p:nvPr/>
+        </p:nvCxnSpPr>
+        <p:spPr>
+          <a:xfrm flipH="1" flipV="1">
+            <a:off x="4806013" y="4494318"/>
+            <a:ext cx="1193894" cy="800412"/>
+          </a:xfrm>
+          <a:prstGeom prst="straightConnector1">
+            <a:avLst/>
+          </a:prstGeom>
+          <a:ln w="57150">
+            <a:solidFill>
+              <a:schemeClr val="tx2"/>
+            </a:solidFill>
+            <a:tailEnd type="triangle"/>
+          </a:ln>
+        </p:spPr>
+        <p:style>
+          <a:lnRef idx="1">
+            <a:schemeClr val="accent1"/>
+          </a:lnRef>
+          <a:fillRef idx="0">
+            <a:schemeClr val="accent1"/>
+          </a:fillRef>
+          <a:effectRef idx="0">
+            <a:schemeClr val="accent1"/>
+          </a:effectRef>
+          <a:fontRef idx="minor">
+            <a:schemeClr val="tx1"/>
+          </a:fontRef>
+        </p:style>
+      </p:cxnSp>
+      <p:sp>
+        <p:nvSpPr>
+          <p:cNvPr id="18" name="Rectangle 17">
+            <a:extLst>
+              <a:ext uri="{FF2B5EF4-FFF2-40B4-BE49-F238E27FC236}">
+                <a16:creationId xmlns:a16="http://schemas.microsoft.com/office/drawing/2014/main" id="{30B2987C-774F-D8AF-D823-DD9803AEC250}"/>
+              </a:ext>
+            </a:extLst>
+          </p:cNvPr>
+          <p:cNvSpPr/>
+          <p:nvPr/>
+        </p:nvSpPr>
+        <p:spPr>
+          <a:xfrm>
+            <a:off x="723157" y="2705122"/>
+            <a:ext cx="1662545" cy="666545"/>
+          </a:xfrm>
+          <a:prstGeom prst="rect">
+            <a:avLst/>
+          </a:prstGeom>
+          <a:noFill/>
+          <a:ln w="57150">
+            <a:solidFill>
+              <a:schemeClr val="accent1"/>
+            </a:solidFill>
+          </a:ln>
+        </p:spPr>
+        <p:style>
+          <a:lnRef idx="2">
+            <a:schemeClr val="accent1">
+              <a:shade val="15000"/>
+            </a:schemeClr>
+          </a:lnRef>
+          <a:fillRef idx="1">
+            <a:schemeClr val="accent1"/>
+          </a:fillRef>
+          <a:effectRef idx="0">
+            <a:schemeClr val="accent1"/>
+          </a:effectRef>
+          <a:fontRef idx="minor">
+            <a:schemeClr val="lt1"/>
+          </a:fontRef>
+        </p:style>
+        <p:txBody>
+          <a:bodyPr rtlCol="0" anchor="ctr"/>
+          <a:lstStyle/>
+          <a:p>
+            <a:pPr algn="ctr"/>
+            <a:endParaRPr lang="en-DE"/>
+          </a:p>
+        </p:txBody>
+      </p:sp>
+      <p:sp>
+        <p:nvSpPr>
+          <p:cNvPr id="19" name="TextBox 18">
+            <a:extLst>
+              <a:ext uri="{FF2B5EF4-FFF2-40B4-BE49-F238E27FC236}">
+                <a16:creationId xmlns:a16="http://schemas.microsoft.com/office/drawing/2014/main" id="{922B395A-B2CA-A45B-2F1D-5E90D34F48D2}"/>
+              </a:ext>
+            </a:extLst>
+          </p:cNvPr>
+          <p:cNvSpPr txBox="1"/>
+          <p:nvPr/>
+        </p:nvSpPr>
+        <p:spPr>
+          <a:xfrm>
+            <a:off x="860427" y="2771366"/>
+            <a:ext cx="1388003" cy="584775"/>
+          </a:xfrm>
+          <a:prstGeom prst="rect">
+            <a:avLst/>
+          </a:prstGeom>
+          <a:noFill/>
+        </p:spPr>
+        <p:txBody>
+          <a:bodyPr wrap="square" rtlCol="0">
+            <a:spAutoFit/>
+          </a:bodyPr>
+          <a:lstStyle/>
+          <a:p>
+            <a:pPr algn="ctr"/>
+            <a:r>
+              <a:rPr lang="en-DE" sz="1600" dirty="0"/>
+              <a:t>Trust in Stock Market</a:t>
+            </a:r>
+          </a:p>
+        </p:txBody>
+      </p:sp>
+      <p:sp>
+        <p:nvSpPr>
+          <p:cNvPr id="20" name="Rectangle 19">
+            <a:extLst>
+              <a:ext uri="{FF2B5EF4-FFF2-40B4-BE49-F238E27FC236}">
+                <a16:creationId xmlns:a16="http://schemas.microsoft.com/office/drawing/2014/main" id="{A384132E-8C75-5897-431F-97F382C53C71}"/>
+              </a:ext>
+            </a:extLst>
+          </p:cNvPr>
+          <p:cNvSpPr/>
+          <p:nvPr/>
+        </p:nvSpPr>
+        <p:spPr>
+          <a:xfrm>
+            <a:off x="723157" y="3522771"/>
+            <a:ext cx="1662545" cy="666545"/>
+          </a:xfrm>
+          <a:prstGeom prst="rect">
+            <a:avLst/>
+          </a:prstGeom>
+          <a:noFill/>
+          <a:ln w="57150">
+            <a:solidFill>
+              <a:schemeClr val="accent1"/>
+            </a:solidFill>
+          </a:ln>
+        </p:spPr>
+        <p:style>
+          <a:lnRef idx="2">
+            <a:schemeClr val="accent1">
+              <a:shade val="15000"/>
+            </a:schemeClr>
+          </a:lnRef>
+          <a:fillRef idx="1">
+            <a:schemeClr val="accent1"/>
+          </a:fillRef>
+          <a:effectRef idx="0">
+            <a:schemeClr val="accent1"/>
+          </a:effectRef>
+          <a:fontRef idx="minor">
+            <a:schemeClr val="lt1"/>
+          </a:fontRef>
+        </p:style>
+        <p:txBody>
+          <a:bodyPr rtlCol="0" anchor="ctr"/>
+          <a:lstStyle/>
+          <a:p>
+            <a:pPr algn="ctr"/>
+            <a:endParaRPr lang="en-DE"/>
+          </a:p>
+        </p:txBody>
+      </p:sp>
+      <p:sp>
+        <p:nvSpPr>
+          <p:cNvPr id="21" name="TextBox 20">
+            <a:extLst>
+              <a:ext uri="{FF2B5EF4-FFF2-40B4-BE49-F238E27FC236}">
+                <a16:creationId xmlns:a16="http://schemas.microsoft.com/office/drawing/2014/main" id="{C3733BD5-EF8C-F2D1-589C-A65938828E97}"/>
+              </a:ext>
+            </a:extLst>
+          </p:cNvPr>
+          <p:cNvSpPr txBox="1"/>
+          <p:nvPr/>
+        </p:nvSpPr>
+        <p:spPr>
+          <a:xfrm>
+            <a:off x="860427" y="3589015"/>
+            <a:ext cx="1388003" cy="584775"/>
+          </a:xfrm>
+          <a:prstGeom prst="rect">
+            <a:avLst/>
+          </a:prstGeom>
+          <a:noFill/>
+        </p:spPr>
+        <p:txBody>
+          <a:bodyPr wrap="square" rtlCol="0">
+            <a:spAutoFit/>
+          </a:bodyPr>
+          <a:lstStyle/>
+          <a:p>
+            <a:pPr algn="ctr"/>
+            <a:r>
+              <a:rPr lang="en-DE" sz="1600" dirty="0"/>
+              <a:t>Currently Investing</a:t>
+            </a:r>
+          </a:p>
+        </p:txBody>
+      </p:sp>
+      <p:sp>
+        <p:nvSpPr>
+          <p:cNvPr id="22" name="Rectangle 21">
+            <a:extLst>
+              <a:ext uri="{FF2B5EF4-FFF2-40B4-BE49-F238E27FC236}">
+                <a16:creationId xmlns:a16="http://schemas.microsoft.com/office/drawing/2014/main" id="{2D1C7602-CB43-BD52-7544-E21DF771FDAA}"/>
+              </a:ext>
+            </a:extLst>
+          </p:cNvPr>
+          <p:cNvSpPr/>
+          <p:nvPr/>
+        </p:nvSpPr>
+        <p:spPr>
+          <a:xfrm>
+            <a:off x="723157" y="4335797"/>
+            <a:ext cx="1662545" cy="666545"/>
+          </a:xfrm>
+          <a:prstGeom prst="rect">
+            <a:avLst/>
+          </a:prstGeom>
+          <a:noFill/>
+          <a:ln w="57150">
+            <a:solidFill>
+              <a:schemeClr val="accent1"/>
+            </a:solidFill>
+          </a:ln>
+        </p:spPr>
+        <p:style>
+          <a:lnRef idx="2">
+            <a:schemeClr val="accent1">
+              <a:shade val="15000"/>
+            </a:schemeClr>
+          </a:lnRef>
+          <a:fillRef idx="1">
+            <a:schemeClr val="accent1"/>
+          </a:fillRef>
+          <a:effectRef idx="0">
+            <a:schemeClr val="accent1"/>
+          </a:effectRef>
+          <a:fontRef idx="minor">
+            <a:schemeClr val="lt1"/>
+          </a:fontRef>
+        </p:style>
+        <p:txBody>
+          <a:bodyPr rtlCol="0" anchor="ctr"/>
+          <a:lstStyle/>
+          <a:p>
+            <a:pPr algn="ctr"/>
+            <a:endParaRPr lang="en-DE"/>
+          </a:p>
+        </p:txBody>
+      </p:sp>
+      <p:sp>
+        <p:nvSpPr>
+          <p:cNvPr id="23" name="TextBox 22">
+            <a:extLst>
+              <a:ext uri="{FF2B5EF4-FFF2-40B4-BE49-F238E27FC236}">
+                <a16:creationId xmlns:a16="http://schemas.microsoft.com/office/drawing/2014/main" id="{CE56108E-35DD-7155-CB97-153C0BF28903}"/>
+              </a:ext>
+            </a:extLst>
+          </p:cNvPr>
+          <p:cNvSpPr txBox="1"/>
+          <p:nvPr/>
+        </p:nvSpPr>
+        <p:spPr>
+          <a:xfrm>
+            <a:off x="723157" y="4402041"/>
+            <a:ext cx="1662545" cy="584775"/>
+          </a:xfrm>
+          <a:prstGeom prst="rect">
+            <a:avLst/>
+          </a:prstGeom>
+          <a:noFill/>
+        </p:spPr>
+        <p:txBody>
+          <a:bodyPr wrap="square" rtlCol="0">
+            <a:spAutoFit/>
+          </a:bodyPr>
+          <a:lstStyle/>
+          <a:p>
+            <a:pPr algn="ctr"/>
+            <a:r>
+              <a:rPr lang="en-DE" sz="1600" dirty="0"/>
+              <a:t>Current Opinion of Investing</a:t>
+            </a:r>
+          </a:p>
+        </p:txBody>
+      </p:sp>
+      <p:sp>
+        <p:nvSpPr>
+          <p:cNvPr id="24" name="Rectangle 23">
+            <a:extLst>
+              <a:ext uri="{FF2B5EF4-FFF2-40B4-BE49-F238E27FC236}">
+                <a16:creationId xmlns:a16="http://schemas.microsoft.com/office/drawing/2014/main" id="{7C14B0F8-0CFD-0541-56CE-06DBEF98A813}"/>
+              </a:ext>
+            </a:extLst>
+          </p:cNvPr>
+          <p:cNvSpPr/>
+          <p:nvPr/>
+        </p:nvSpPr>
+        <p:spPr>
+          <a:xfrm>
+            <a:off x="8730197" y="1245621"/>
+            <a:ext cx="1662545" cy="666545"/>
+          </a:xfrm>
+          <a:prstGeom prst="rect">
+            <a:avLst/>
+          </a:prstGeom>
+          <a:noFill/>
+          <a:ln w="57150">
+            <a:solidFill>
+              <a:schemeClr val="accent1"/>
+            </a:solidFill>
+          </a:ln>
+        </p:spPr>
+        <p:style>
+          <a:lnRef idx="2">
+            <a:schemeClr val="accent1">
+              <a:shade val="15000"/>
+            </a:schemeClr>
+          </a:lnRef>
+          <a:fillRef idx="1">
+            <a:schemeClr val="accent1"/>
+          </a:fillRef>
+          <a:effectRef idx="0">
+            <a:schemeClr val="accent1"/>
+          </a:effectRef>
+          <a:fontRef idx="minor">
+            <a:schemeClr val="lt1"/>
+          </a:fontRef>
+        </p:style>
+        <p:txBody>
+          <a:bodyPr rtlCol="0" anchor="ctr"/>
+          <a:lstStyle/>
+          <a:p>
+            <a:pPr algn="ctr"/>
+            <a:endParaRPr lang="en-DE"/>
+          </a:p>
+        </p:txBody>
+      </p:sp>
+      <p:sp>
+        <p:nvSpPr>
+          <p:cNvPr id="25" name="TextBox 24">
+            <a:extLst>
+              <a:ext uri="{FF2B5EF4-FFF2-40B4-BE49-F238E27FC236}">
+                <a16:creationId xmlns:a16="http://schemas.microsoft.com/office/drawing/2014/main" id="{9991DB5B-BB85-6DC0-AD62-C7CEE3D25226}"/>
+              </a:ext>
+            </a:extLst>
+          </p:cNvPr>
+          <p:cNvSpPr txBox="1"/>
+          <p:nvPr/>
+        </p:nvSpPr>
+        <p:spPr>
+          <a:xfrm>
+            <a:off x="8867467" y="1311865"/>
+            <a:ext cx="1388003" cy="584775"/>
+          </a:xfrm>
+          <a:prstGeom prst="rect">
+            <a:avLst/>
+          </a:prstGeom>
+          <a:noFill/>
+        </p:spPr>
+        <p:txBody>
+          <a:bodyPr wrap="square" rtlCol="0">
+            <a:spAutoFit/>
+          </a:bodyPr>
+          <a:lstStyle/>
+          <a:p>
+            <a:pPr algn="ctr"/>
+            <a:r>
+              <a:rPr lang="en-DE" sz="1600" dirty="0"/>
+              <a:t>Channels of Information</a:t>
+            </a:r>
+          </a:p>
+        </p:txBody>
+      </p:sp>
+      <p:sp>
+        <p:nvSpPr>
+          <p:cNvPr id="26" name="Rectangle 25">
+            <a:extLst>
+              <a:ext uri="{FF2B5EF4-FFF2-40B4-BE49-F238E27FC236}">
+                <a16:creationId xmlns:a16="http://schemas.microsoft.com/office/drawing/2014/main" id="{5A950A7A-7EB6-F363-87F2-82DFC170392F}"/>
+              </a:ext>
+            </a:extLst>
+          </p:cNvPr>
+          <p:cNvSpPr/>
+          <p:nvPr/>
+        </p:nvSpPr>
+        <p:spPr>
+          <a:xfrm>
+            <a:off x="8730197" y="2084823"/>
+            <a:ext cx="1662545" cy="666545"/>
+          </a:xfrm>
+          <a:prstGeom prst="rect">
+            <a:avLst/>
+          </a:prstGeom>
+          <a:noFill/>
+          <a:ln w="57150">
+            <a:solidFill>
+              <a:schemeClr val="accent1"/>
+            </a:solidFill>
+          </a:ln>
+        </p:spPr>
+        <p:style>
+          <a:lnRef idx="2">
+            <a:schemeClr val="accent1">
+              <a:shade val="15000"/>
+            </a:schemeClr>
+          </a:lnRef>
+          <a:fillRef idx="1">
+            <a:schemeClr val="accent1"/>
+          </a:fillRef>
+          <a:effectRef idx="0">
+            <a:schemeClr val="accent1"/>
+          </a:effectRef>
+          <a:fontRef idx="minor">
+            <a:schemeClr val="lt1"/>
+          </a:fontRef>
+        </p:style>
+        <p:txBody>
+          <a:bodyPr rtlCol="0" anchor="ctr"/>
+          <a:lstStyle/>
+          <a:p>
+            <a:pPr algn="ctr"/>
+            <a:endParaRPr lang="en-DE"/>
+          </a:p>
+        </p:txBody>
+      </p:sp>
+      <p:sp>
+        <p:nvSpPr>
+          <p:cNvPr id="27" name="TextBox 26">
+            <a:extLst>
+              <a:ext uri="{FF2B5EF4-FFF2-40B4-BE49-F238E27FC236}">
+                <a16:creationId xmlns:a16="http://schemas.microsoft.com/office/drawing/2014/main" id="{AF457FEA-4A2E-D594-FCFD-B99A1823E271}"/>
+              </a:ext>
+            </a:extLst>
+          </p:cNvPr>
+          <p:cNvSpPr txBox="1"/>
+          <p:nvPr/>
+        </p:nvSpPr>
+        <p:spPr>
+          <a:xfrm>
+            <a:off x="8867467" y="2146969"/>
+            <a:ext cx="1388003" cy="584775"/>
+          </a:xfrm>
+          <a:prstGeom prst="rect">
+            <a:avLst/>
+          </a:prstGeom>
+          <a:noFill/>
+        </p:spPr>
+        <p:txBody>
+          <a:bodyPr wrap="square" rtlCol="0">
+            <a:spAutoFit/>
+          </a:bodyPr>
+          <a:lstStyle/>
+          <a:p>
+            <a:pPr algn="ctr"/>
+            <a:r>
+              <a:rPr lang="en-DE" sz="1600" dirty="0"/>
+              <a:t>Frequency of Informing</a:t>
+            </a:r>
+          </a:p>
+        </p:txBody>
+      </p:sp>
+      <p:sp>
+        <p:nvSpPr>
+          <p:cNvPr id="42" name="Rectangle 41">
+            <a:extLst>
+              <a:ext uri="{FF2B5EF4-FFF2-40B4-BE49-F238E27FC236}">
+                <a16:creationId xmlns:a16="http://schemas.microsoft.com/office/drawing/2014/main" id="{D1C6DC6C-070A-CA9B-972D-74AD69FAE7FA}"/>
+              </a:ext>
+            </a:extLst>
+          </p:cNvPr>
+          <p:cNvSpPr/>
+          <p:nvPr/>
+        </p:nvSpPr>
+        <p:spPr>
+          <a:xfrm>
+            <a:off x="8723282" y="2922470"/>
+            <a:ext cx="1662545" cy="666545"/>
+          </a:xfrm>
+          <a:prstGeom prst="rect">
+            <a:avLst/>
+          </a:prstGeom>
+          <a:noFill/>
+          <a:ln w="57150">
+            <a:solidFill>
+              <a:schemeClr val="accent1"/>
+            </a:solidFill>
+          </a:ln>
+        </p:spPr>
+        <p:style>
+          <a:lnRef idx="2">
+            <a:schemeClr val="accent1">
+              <a:shade val="15000"/>
+            </a:schemeClr>
+          </a:lnRef>
+          <a:fillRef idx="1">
+            <a:schemeClr val="accent1"/>
+          </a:fillRef>
+          <a:effectRef idx="0">
+            <a:schemeClr val="accent1"/>
+          </a:effectRef>
+          <a:fontRef idx="minor">
+            <a:schemeClr val="lt1"/>
+          </a:fontRef>
+        </p:style>
+        <p:txBody>
+          <a:bodyPr rtlCol="0" anchor="ctr"/>
+          <a:lstStyle/>
+          <a:p>
+            <a:pPr algn="ctr"/>
+            <a:endParaRPr lang="en-DE"/>
+          </a:p>
+        </p:txBody>
+      </p:sp>
+      <p:sp>
+        <p:nvSpPr>
+          <p:cNvPr id="43" name="TextBox 42">
+            <a:extLst>
+              <a:ext uri="{FF2B5EF4-FFF2-40B4-BE49-F238E27FC236}">
+                <a16:creationId xmlns:a16="http://schemas.microsoft.com/office/drawing/2014/main" id="{8CD140BD-113A-F09A-0EFA-7F5CCA3285D1}"/>
+              </a:ext>
+            </a:extLst>
+          </p:cNvPr>
+          <p:cNvSpPr txBox="1"/>
+          <p:nvPr/>
+        </p:nvSpPr>
+        <p:spPr>
+          <a:xfrm>
+            <a:off x="8859135" y="3086465"/>
+            <a:ext cx="1388003" cy="338554"/>
+          </a:xfrm>
+          <a:prstGeom prst="rect">
+            <a:avLst/>
+          </a:prstGeom>
+          <a:noFill/>
+        </p:spPr>
+        <p:txBody>
+          <a:bodyPr wrap="square" rtlCol="0">
+            <a:spAutoFit/>
+          </a:bodyPr>
+          <a:lstStyle/>
+          <a:p>
+            <a:pPr algn="ctr"/>
+            <a:r>
+              <a:rPr lang="en-DE" sz="1600" dirty="0"/>
+              <a:t>Interest Rate</a:t>
+            </a:r>
+          </a:p>
+        </p:txBody>
+      </p:sp>
+      <p:sp>
+        <p:nvSpPr>
+          <p:cNvPr id="44" name="Rectangle 43">
+            <a:extLst>
+              <a:ext uri="{FF2B5EF4-FFF2-40B4-BE49-F238E27FC236}">
+                <a16:creationId xmlns:a16="http://schemas.microsoft.com/office/drawing/2014/main" id="{8E0325F4-1E71-C7C9-E332-4E7F59755AEF}"/>
+              </a:ext>
+            </a:extLst>
+          </p:cNvPr>
+          <p:cNvSpPr/>
+          <p:nvPr/>
+        </p:nvSpPr>
+        <p:spPr>
+          <a:xfrm>
+            <a:off x="8730197" y="3756762"/>
+            <a:ext cx="1662545" cy="666545"/>
+          </a:xfrm>
+          <a:prstGeom prst="rect">
+            <a:avLst/>
+          </a:prstGeom>
+          <a:noFill/>
+          <a:ln w="57150">
+            <a:solidFill>
+              <a:schemeClr val="accent1"/>
+            </a:solidFill>
+          </a:ln>
+        </p:spPr>
+        <p:style>
+          <a:lnRef idx="2">
+            <a:schemeClr val="accent1">
+              <a:shade val="15000"/>
+            </a:schemeClr>
+          </a:lnRef>
+          <a:fillRef idx="1">
+            <a:schemeClr val="accent1"/>
+          </a:fillRef>
+          <a:effectRef idx="0">
+            <a:schemeClr val="accent1"/>
+          </a:effectRef>
+          <a:fontRef idx="minor">
+            <a:schemeClr val="lt1"/>
+          </a:fontRef>
+        </p:style>
+        <p:txBody>
+          <a:bodyPr rtlCol="0" anchor="ctr"/>
+          <a:lstStyle/>
+          <a:p>
+            <a:pPr algn="ctr"/>
+            <a:endParaRPr lang="en-DE"/>
+          </a:p>
+        </p:txBody>
+      </p:sp>
+      <p:sp>
+        <p:nvSpPr>
+          <p:cNvPr id="45" name="TextBox 44">
+            <a:extLst>
+              <a:ext uri="{FF2B5EF4-FFF2-40B4-BE49-F238E27FC236}">
+                <a16:creationId xmlns:a16="http://schemas.microsoft.com/office/drawing/2014/main" id="{C5068376-91E6-FDCA-1876-4CAC6510A746}"/>
+              </a:ext>
+            </a:extLst>
+          </p:cNvPr>
+          <p:cNvSpPr txBox="1"/>
+          <p:nvPr/>
+        </p:nvSpPr>
+        <p:spPr>
+          <a:xfrm>
+            <a:off x="8864545" y="3926652"/>
+            <a:ext cx="1388003" cy="338554"/>
+          </a:xfrm>
+          <a:prstGeom prst="rect">
+            <a:avLst/>
+          </a:prstGeom>
+          <a:noFill/>
+        </p:spPr>
+        <p:txBody>
+          <a:bodyPr wrap="square" rtlCol="0">
+            <a:spAutoFit/>
+          </a:bodyPr>
+          <a:lstStyle/>
+          <a:p>
+            <a:pPr algn="ctr"/>
+            <a:r>
+              <a:rPr lang="en-DE" sz="1600" dirty="0"/>
+              <a:t>Inflation Rate</a:t>
+            </a:r>
+          </a:p>
+        </p:txBody>
+      </p:sp>
+      <p:sp>
+        <p:nvSpPr>
+          <p:cNvPr id="46" name="Rectangle 45">
+            <a:extLst>
+              <a:ext uri="{FF2B5EF4-FFF2-40B4-BE49-F238E27FC236}">
+                <a16:creationId xmlns:a16="http://schemas.microsoft.com/office/drawing/2014/main" id="{E0FC0E9A-06B5-DAB0-D1A6-A66C5F35729A}"/>
+              </a:ext>
+            </a:extLst>
+          </p:cNvPr>
+          <p:cNvSpPr/>
+          <p:nvPr/>
+        </p:nvSpPr>
+        <p:spPr>
+          <a:xfrm>
+            <a:off x="8733118" y="4594409"/>
+            <a:ext cx="1662545" cy="666545"/>
+          </a:xfrm>
+          <a:prstGeom prst="rect">
+            <a:avLst/>
+          </a:prstGeom>
+          <a:noFill/>
+          <a:ln w="57150">
+            <a:solidFill>
+              <a:schemeClr val="accent1"/>
+            </a:solidFill>
+          </a:ln>
+        </p:spPr>
+        <p:style>
+          <a:lnRef idx="2">
+            <a:schemeClr val="accent1">
+              <a:shade val="15000"/>
+            </a:schemeClr>
+          </a:lnRef>
+          <a:fillRef idx="1">
+            <a:schemeClr val="accent1"/>
+          </a:fillRef>
+          <a:effectRef idx="0">
+            <a:schemeClr val="accent1"/>
+          </a:effectRef>
+          <a:fontRef idx="minor">
+            <a:schemeClr val="lt1"/>
+          </a:fontRef>
+        </p:style>
+        <p:txBody>
+          <a:bodyPr rtlCol="0" anchor="ctr"/>
+          <a:lstStyle/>
+          <a:p>
+            <a:pPr algn="ctr"/>
+            <a:endParaRPr lang="en-DE"/>
+          </a:p>
+        </p:txBody>
+      </p:sp>
+      <p:sp>
+        <p:nvSpPr>
+          <p:cNvPr id="47" name="TextBox 46">
+            <a:extLst>
+              <a:ext uri="{FF2B5EF4-FFF2-40B4-BE49-F238E27FC236}">
+                <a16:creationId xmlns:a16="http://schemas.microsoft.com/office/drawing/2014/main" id="{F4A5DDFB-5187-DA4B-3907-2A50C3C3283B}"/>
+              </a:ext>
+            </a:extLst>
+          </p:cNvPr>
+          <p:cNvSpPr txBox="1"/>
+          <p:nvPr/>
+        </p:nvSpPr>
+        <p:spPr>
+          <a:xfrm>
+            <a:off x="8730197" y="4758404"/>
+            <a:ext cx="1662545" cy="338554"/>
+          </a:xfrm>
+          <a:prstGeom prst="rect">
+            <a:avLst/>
+          </a:prstGeom>
+          <a:noFill/>
+        </p:spPr>
+        <p:txBody>
+          <a:bodyPr wrap="square" rtlCol="0">
+            <a:spAutoFit/>
+          </a:bodyPr>
+          <a:lstStyle/>
+          <a:p>
+            <a:pPr algn="ctr"/>
+            <a:r>
+              <a:rPr lang="en-DE" sz="1600" dirty="0"/>
+              <a:t>Dax Points</a:t>
+            </a:r>
+          </a:p>
+        </p:txBody>
+      </p:sp>
+      <p:sp>
+        <p:nvSpPr>
+          <p:cNvPr id="48" name="Rectangle 47">
+            <a:extLst>
+              <a:ext uri="{FF2B5EF4-FFF2-40B4-BE49-F238E27FC236}">
+                <a16:creationId xmlns:a16="http://schemas.microsoft.com/office/drawing/2014/main" id="{EADF2B28-626C-ECBF-6EB1-C80377CCDB76}"/>
+              </a:ext>
+            </a:extLst>
+          </p:cNvPr>
+          <p:cNvSpPr/>
+          <p:nvPr/>
+        </p:nvSpPr>
+        <p:spPr>
+          <a:xfrm>
+            <a:off x="8733118" y="5432055"/>
+            <a:ext cx="1662545" cy="666545"/>
+          </a:xfrm>
+          <a:prstGeom prst="rect">
+            <a:avLst/>
+          </a:prstGeom>
+          <a:noFill/>
+          <a:ln w="57150">
+            <a:solidFill>
+              <a:schemeClr val="accent1"/>
+            </a:solidFill>
+          </a:ln>
+        </p:spPr>
+        <p:style>
+          <a:lnRef idx="2">
+            <a:schemeClr val="accent1">
+              <a:shade val="15000"/>
+            </a:schemeClr>
+          </a:lnRef>
+          <a:fillRef idx="1">
+            <a:schemeClr val="accent1"/>
+          </a:fillRef>
+          <a:effectRef idx="0">
+            <a:schemeClr val="accent1"/>
+          </a:effectRef>
+          <a:fontRef idx="minor">
+            <a:schemeClr val="lt1"/>
+          </a:fontRef>
+        </p:style>
+        <p:txBody>
+          <a:bodyPr rtlCol="0" anchor="ctr"/>
+          <a:lstStyle/>
+          <a:p>
+            <a:pPr algn="ctr"/>
+            <a:endParaRPr lang="en-DE"/>
+          </a:p>
+        </p:txBody>
+      </p:sp>
+      <p:sp>
+        <p:nvSpPr>
+          <p:cNvPr id="49" name="TextBox 48">
+            <a:extLst>
+              <a:ext uri="{FF2B5EF4-FFF2-40B4-BE49-F238E27FC236}">
+                <a16:creationId xmlns:a16="http://schemas.microsoft.com/office/drawing/2014/main" id="{D3954B3C-ACE6-6A75-07E8-4DC1C01916D3}"/>
+              </a:ext>
+            </a:extLst>
+          </p:cNvPr>
+          <p:cNvSpPr txBox="1"/>
+          <p:nvPr/>
+        </p:nvSpPr>
+        <p:spPr>
+          <a:xfrm>
+            <a:off x="8730197" y="5472939"/>
+            <a:ext cx="1662545" cy="584775"/>
+          </a:xfrm>
+          <a:prstGeom prst="rect">
+            <a:avLst/>
+          </a:prstGeom>
+          <a:noFill/>
+        </p:spPr>
+        <p:txBody>
+          <a:bodyPr wrap="square" rtlCol="0">
+            <a:spAutoFit/>
+          </a:bodyPr>
+          <a:lstStyle/>
+          <a:p>
+            <a:pPr algn="ctr"/>
+            <a:r>
+              <a:rPr lang="en-DE" sz="1600" dirty="0"/>
+              <a:t>Consumer Price Index</a:t>
+            </a:r>
+          </a:p>
+        </p:txBody>
+      </p:sp>
+      <p:cxnSp>
+        <p:nvCxnSpPr>
+          <p:cNvPr id="50" name="Straight Arrow Connector 49">
+            <a:extLst>
+              <a:ext uri="{FF2B5EF4-FFF2-40B4-BE49-F238E27FC236}">
+                <a16:creationId xmlns:a16="http://schemas.microsoft.com/office/drawing/2014/main" id="{401F010D-6085-35E6-0AE8-B9D56FE65B99}"/>
+              </a:ext>
+            </a:extLst>
+          </p:cNvPr>
+          <p:cNvCxnSpPr>
+            <a:cxnSpLocks/>
+          </p:cNvCxnSpPr>
+          <p:nvPr/>
+        </p:nvCxnSpPr>
+        <p:spPr>
+          <a:xfrm flipH="1">
+            <a:off x="7748869" y="1505370"/>
+            <a:ext cx="981328" cy="570791"/>
+          </a:xfrm>
+          <a:prstGeom prst="straightConnector1">
+            <a:avLst/>
+          </a:prstGeom>
+          <a:ln w="38100">
+            <a:solidFill>
+              <a:schemeClr val="accent1"/>
+            </a:solidFill>
+            <a:tailEnd type="triangle"/>
+          </a:ln>
+        </p:spPr>
+        <p:style>
+          <a:lnRef idx="1">
+            <a:schemeClr val="accent1"/>
+          </a:lnRef>
+          <a:fillRef idx="0">
+            <a:schemeClr val="accent1"/>
+          </a:fillRef>
+          <a:effectRef idx="0">
+            <a:schemeClr val="accent1"/>
+          </a:effectRef>
+          <a:fontRef idx="minor">
+            <a:schemeClr val="tx1"/>
+          </a:fontRef>
+        </p:style>
+      </p:cxnSp>
+      <p:cxnSp>
+        <p:nvCxnSpPr>
+          <p:cNvPr id="52" name="Straight Arrow Connector 51">
+            <a:extLst>
+              <a:ext uri="{FF2B5EF4-FFF2-40B4-BE49-F238E27FC236}">
+                <a16:creationId xmlns:a16="http://schemas.microsoft.com/office/drawing/2014/main" id="{AA4447D6-E35A-F34E-87DD-65E8C235AEFB}"/>
+              </a:ext>
+            </a:extLst>
+          </p:cNvPr>
+          <p:cNvCxnSpPr>
+            <a:cxnSpLocks/>
+            <a:stCxn id="26" idx="1"/>
+            <a:endCxn id="8" idx="6"/>
+          </p:cNvCxnSpPr>
+          <p:nvPr/>
+        </p:nvCxnSpPr>
+        <p:spPr>
+          <a:xfrm flipH="1" flipV="1">
+            <a:off x="7799907" y="2348431"/>
+            <a:ext cx="930290" cy="69665"/>
+          </a:xfrm>
+          <a:prstGeom prst="straightConnector1">
+            <a:avLst/>
+          </a:prstGeom>
+          <a:ln w="38100">
+            <a:solidFill>
+              <a:schemeClr val="accent1"/>
+            </a:solidFill>
+            <a:tailEnd type="triangle"/>
+          </a:ln>
+        </p:spPr>
+        <p:style>
+          <a:lnRef idx="1">
+            <a:schemeClr val="accent1"/>
+          </a:lnRef>
+          <a:fillRef idx="0">
+            <a:schemeClr val="accent1"/>
+          </a:fillRef>
+          <a:effectRef idx="0">
+            <a:schemeClr val="accent1"/>
+          </a:effectRef>
+          <a:fontRef idx="minor">
+            <a:schemeClr val="tx1"/>
+          </a:fontRef>
+        </p:style>
+      </p:cxnSp>
+      <p:cxnSp>
+        <p:nvCxnSpPr>
+          <p:cNvPr id="55" name="Straight Arrow Connector 54">
+            <a:extLst>
+              <a:ext uri="{FF2B5EF4-FFF2-40B4-BE49-F238E27FC236}">
+                <a16:creationId xmlns:a16="http://schemas.microsoft.com/office/drawing/2014/main" id="{32245209-4923-6569-068C-291F856CF47F}"/>
+              </a:ext>
+            </a:extLst>
+          </p:cNvPr>
+          <p:cNvCxnSpPr>
+            <a:cxnSpLocks/>
+            <a:stCxn id="42" idx="1"/>
+          </p:cNvCxnSpPr>
+          <p:nvPr/>
+        </p:nvCxnSpPr>
+        <p:spPr>
+          <a:xfrm flipH="1">
+            <a:off x="7621432" y="3255743"/>
+            <a:ext cx="1101850" cy="1554943"/>
+          </a:xfrm>
+          <a:prstGeom prst="straightConnector1">
+            <a:avLst/>
+          </a:prstGeom>
+          <a:ln w="38100">
+            <a:solidFill>
+              <a:schemeClr val="accent1"/>
+            </a:solidFill>
+            <a:tailEnd type="triangle"/>
+          </a:ln>
+        </p:spPr>
+        <p:style>
+          <a:lnRef idx="1">
+            <a:schemeClr val="accent1"/>
+          </a:lnRef>
+          <a:fillRef idx="0">
+            <a:schemeClr val="accent1"/>
+          </a:fillRef>
+          <a:effectRef idx="0">
+            <a:schemeClr val="accent1"/>
+          </a:effectRef>
+          <a:fontRef idx="minor">
+            <a:schemeClr val="tx1"/>
+          </a:fontRef>
+        </p:style>
+      </p:cxnSp>
+      <p:cxnSp>
+        <p:nvCxnSpPr>
+          <p:cNvPr id="58" name="Straight Arrow Connector 57">
+            <a:extLst>
+              <a:ext uri="{FF2B5EF4-FFF2-40B4-BE49-F238E27FC236}">
+                <a16:creationId xmlns:a16="http://schemas.microsoft.com/office/drawing/2014/main" id="{15D7DAA2-71FE-EC9C-EA06-CFDDAED50BAA}"/>
+              </a:ext>
+            </a:extLst>
+          </p:cNvPr>
+          <p:cNvCxnSpPr>
+            <a:cxnSpLocks/>
+            <a:stCxn id="44" idx="1"/>
+          </p:cNvCxnSpPr>
+          <p:nvPr/>
+        </p:nvCxnSpPr>
+        <p:spPr>
+          <a:xfrm flipH="1">
+            <a:off x="7748869" y="4090035"/>
+            <a:ext cx="981328" cy="974971"/>
+          </a:xfrm>
+          <a:prstGeom prst="straightConnector1">
+            <a:avLst/>
+          </a:prstGeom>
+          <a:ln w="38100">
+            <a:solidFill>
+              <a:schemeClr val="accent1"/>
+            </a:solidFill>
+            <a:tailEnd type="triangle"/>
+          </a:ln>
+        </p:spPr>
+        <p:style>
+          <a:lnRef idx="1">
+            <a:schemeClr val="accent1"/>
+          </a:lnRef>
+          <a:fillRef idx="0">
+            <a:schemeClr val="accent1"/>
+          </a:fillRef>
+          <a:effectRef idx="0">
+            <a:schemeClr val="accent1"/>
+          </a:effectRef>
+          <a:fontRef idx="minor">
+            <a:schemeClr val="tx1"/>
+          </a:fontRef>
+        </p:style>
+      </p:cxnSp>
+      <p:cxnSp>
+        <p:nvCxnSpPr>
+          <p:cNvPr id="61" name="Straight Arrow Connector 60">
+            <a:extLst>
+              <a:ext uri="{FF2B5EF4-FFF2-40B4-BE49-F238E27FC236}">
+                <a16:creationId xmlns:a16="http://schemas.microsoft.com/office/drawing/2014/main" id="{E6A818F8-6598-08E2-F486-BD45712D9911}"/>
+              </a:ext>
+            </a:extLst>
+          </p:cNvPr>
+          <p:cNvCxnSpPr>
+            <a:cxnSpLocks/>
+            <a:stCxn id="47" idx="1"/>
+            <a:endCxn id="9" idx="6"/>
+          </p:cNvCxnSpPr>
+          <p:nvPr/>
+        </p:nvCxnSpPr>
+        <p:spPr>
+          <a:xfrm flipH="1">
+            <a:off x="7799907" y="4927681"/>
+            <a:ext cx="930290" cy="367049"/>
+          </a:xfrm>
+          <a:prstGeom prst="straightConnector1">
+            <a:avLst/>
+          </a:prstGeom>
+          <a:ln w="38100">
+            <a:solidFill>
+              <a:schemeClr val="accent1"/>
+            </a:solidFill>
+            <a:tailEnd type="triangle"/>
+          </a:ln>
+        </p:spPr>
+        <p:style>
+          <a:lnRef idx="1">
+            <a:schemeClr val="accent1"/>
+          </a:lnRef>
+          <a:fillRef idx="0">
+            <a:schemeClr val="accent1"/>
+          </a:fillRef>
+          <a:effectRef idx="0">
+            <a:schemeClr val="accent1"/>
+          </a:effectRef>
+          <a:fontRef idx="minor">
+            <a:schemeClr val="tx1"/>
+          </a:fontRef>
+        </p:style>
+      </p:cxnSp>
+      <p:cxnSp>
+        <p:nvCxnSpPr>
+          <p:cNvPr id="65" name="Straight Arrow Connector 64">
+            <a:extLst>
+              <a:ext uri="{FF2B5EF4-FFF2-40B4-BE49-F238E27FC236}">
+                <a16:creationId xmlns:a16="http://schemas.microsoft.com/office/drawing/2014/main" id="{2E6DB1D7-8CC8-05F4-431F-980B0B259DC0}"/>
+              </a:ext>
+            </a:extLst>
+          </p:cNvPr>
+          <p:cNvCxnSpPr>
+            <a:cxnSpLocks/>
+            <a:stCxn id="49" idx="1"/>
+          </p:cNvCxnSpPr>
+          <p:nvPr/>
+        </p:nvCxnSpPr>
+        <p:spPr>
+          <a:xfrm flipH="1" flipV="1">
+            <a:off x="7748869" y="5506715"/>
+            <a:ext cx="981328" cy="258612"/>
+          </a:xfrm>
+          <a:prstGeom prst="straightConnector1">
+            <a:avLst/>
+          </a:prstGeom>
+          <a:ln w="38100">
+            <a:solidFill>
+              <a:schemeClr val="accent1"/>
+            </a:solidFill>
+            <a:tailEnd type="triangle"/>
+          </a:ln>
+        </p:spPr>
+        <p:style>
+          <a:lnRef idx="1">
+            <a:schemeClr val="accent1"/>
+          </a:lnRef>
+          <a:fillRef idx="0">
+            <a:schemeClr val="accent1"/>
+          </a:fillRef>
+          <a:effectRef idx="0">
+            <a:schemeClr val="accent1"/>
+          </a:effectRef>
+          <a:fontRef idx="minor">
+            <a:schemeClr val="tx1"/>
+          </a:fontRef>
+        </p:style>
+      </p:cxnSp>
+      <p:cxnSp>
+        <p:nvCxnSpPr>
+          <p:cNvPr id="68" name="Straight Arrow Connector 67">
+            <a:extLst>
+              <a:ext uri="{FF2B5EF4-FFF2-40B4-BE49-F238E27FC236}">
+                <a16:creationId xmlns:a16="http://schemas.microsoft.com/office/drawing/2014/main" id="{2F652806-2F54-C517-7B8C-62564EAA1AF9}"/>
+              </a:ext>
+            </a:extLst>
+          </p:cNvPr>
+          <p:cNvCxnSpPr>
+            <a:cxnSpLocks/>
+            <a:stCxn id="18" idx="3"/>
+          </p:cNvCxnSpPr>
+          <p:nvPr/>
+        </p:nvCxnSpPr>
+        <p:spPr>
+          <a:xfrm>
+            <a:off x="2385702" y="3038395"/>
+            <a:ext cx="923375" cy="666539"/>
+          </a:xfrm>
+          <a:prstGeom prst="straightConnector1">
+            <a:avLst/>
+          </a:prstGeom>
+          <a:ln w="38100">
+            <a:solidFill>
+              <a:schemeClr val="accent1"/>
+            </a:solidFill>
+            <a:tailEnd type="triangle"/>
+          </a:ln>
+        </p:spPr>
+        <p:style>
+          <a:lnRef idx="1">
+            <a:schemeClr val="accent1"/>
+          </a:lnRef>
+          <a:fillRef idx="0">
+            <a:schemeClr val="accent1"/>
+          </a:fillRef>
+          <a:effectRef idx="0">
+            <a:schemeClr val="accent1"/>
+          </a:effectRef>
+          <a:fontRef idx="minor">
+            <a:schemeClr val="tx1"/>
+          </a:fontRef>
+        </p:style>
+      </p:cxnSp>
+      <p:cxnSp>
+        <p:nvCxnSpPr>
+          <p:cNvPr id="71" name="Straight Arrow Connector 70">
+            <a:extLst>
+              <a:ext uri="{FF2B5EF4-FFF2-40B4-BE49-F238E27FC236}">
+                <a16:creationId xmlns:a16="http://schemas.microsoft.com/office/drawing/2014/main" id="{6BFFA70B-5E9A-6A63-81F3-51524BD5F9F4}"/>
+              </a:ext>
+            </a:extLst>
+          </p:cNvPr>
+          <p:cNvCxnSpPr>
+            <a:cxnSpLocks/>
+            <a:stCxn id="20" idx="3"/>
+          </p:cNvCxnSpPr>
+          <p:nvPr/>
+        </p:nvCxnSpPr>
+        <p:spPr>
+          <a:xfrm>
+            <a:off x="2385702" y="3856044"/>
+            <a:ext cx="930290" cy="19844"/>
+          </a:xfrm>
+          <a:prstGeom prst="straightConnector1">
+            <a:avLst/>
+          </a:prstGeom>
+          <a:ln w="38100">
+            <a:solidFill>
+              <a:schemeClr val="accent1"/>
+            </a:solidFill>
+            <a:tailEnd type="triangle"/>
+          </a:ln>
+        </p:spPr>
+        <p:style>
+          <a:lnRef idx="1">
+            <a:schemeClr val="accent1"/>
+          </a:lnRef>
+          <a:fillRef idx="0">
+            <a:schemeClr val="accent1"/>
+          </a:fillRef>
+          <a:effectRef idx="0">
+            <a:schemeClr val="accent1"/>
+          </a:effectRef>
+          <a:fontRef idx="minor">
+            <a:schemeClr val="tx1"/>
+          </a:fontRef>
+        </p:style>
+      </p:cxnSp>
+      <p:cxnSp>
+        <p:nvCxnSpPr>
+          <p:cNvPr id="74" name="Straight Arrow Connector 73">
+            <a:extLst>
+              <a:ext uri="{FF2B5EF4-FFF2-40B4-BE49-F238E27FC236}">
+                <a16:creationId xmlns:a16="http://schemas.microsoft.com/office/drawing/2014/main" id="{6B5FC605-3C56-DC17-1B60-67A165367B71}"/>
+              </a:ext>
+            </a:extLst>
+          </p:cNvPr>
+          <p:cNvCxnSpPr>
+            <a:cxnSpLocks/>
+            <a:stCxn id="22" idx="3"/>
+          </p:cNvCxnSpPr>
+          <p:nvPr/>
+        </p:nvCxnSpPr>
+        <p:spPr>
+          <a:xfrm flipV="1">
+            <a:off x="2385702" y="4022680"/>
+            <a:ext cx="930290" cy="646390"/>
+          </a:xfrm>
+          <a:prstGeom prst="straightConnector1">
+            <a:avLst/>
+          </a:prstGeom>
+          <a:ln w="38100">
+            <a:solidFill>
+              <a:schemeClr val="accent1"/>
+            </a:solidFill>
+            <a:tailEnd type="triangle"/>
+          </a:ln>
+        </p:spPr>
+        <p:style>
+          <a:lnRef idx="1">
+            <a:schemeClr val="accent1"/>
+          </a:lnRef>
+          <a:fillRef idx="0">
+            <a:schemeClr val="accent1"/>
+          </a:fillRef>
+          <a:effectRef idx="0">
+            <a:schemeClr val="accent1"/>
+          </a:effectRef>
+          <a:fontRef idx="minor">
+            <a:schemeClr val="tx1"/>
+          </a:fontRef>
+        </p:style>
+      </p:cxnSp>
     </p:spTree>
     <p:extLst>
       <p:ext uri="{BB962C8B-B14F-4D97-AF65-F5344CB8AC3E}">
-        <p14:creationId xmlns:p14="http://schemas.microsoft.com/office/powerpoint/2010/main" val="3976092846"/>
+        <p14:creationId xmlns:p14="http://schemas.microsoft.com/office/powerpoint/2010/main" val="2835002326"/>
       </p:ext>
     </p:extLst>
   </p:cSld>
@@ -10594,10 +12344,10 @@
       </p:grpSpPr>
       <p:sp>
         <p:nvSpPr>
-          <p:cNvPr id="10" name="Content Placeholder 9">
-            <a:extLst>
-              <a:ext uri="{FF2B5EF4-FFF2-40B4-BE49-F238E27FC236}">
-                <a16:creationId xmlns:a16="http://schemas.microsoft.com/office/drawing/2014/main" id="{E5535CBD-5D25-DEC3-ADD8-3C33D6C1D743}"/>
+          <p:cNvPr id="2" name="Content Placeholder 1">
+            <a:extLst>
+              <a:ext uri="{FF2B5EF4-FFF2-40B4-BE49-F238E27FC236}">
+                <a16:creationId xmlns:a16="http://schemas.microsoft.com/office/drawing/2014/main" id="{39EA0C7D-718B-10F9-AE8D-E1BA4E29252F}"/>
               </a:ext>
             </a:extLst>
           </p:cNvPr>
@@ -10614,22 +12364,179 @@
           <a:lstStyle/>
           <a:p>
             <a:r>
-              <a:rPr lang="en-GB" dirty="0"/>
-              <a:t>F</a:t>
-            </a:r>
-            <a:r>
               <a:rPr lang="en-DE" dirty="0"/>
-              <a:t>ormular Explained</a:t>
-            </a:r>
-          </a:p>
-        </p:txBody>
-      </p:sp>
-      <p:sp>
-        <p:nvSpPr>
-          <p:cNvPr id="6" name="Date Placeholder 5">
-            <a:extLst>
-              <a:ext uri="{FF2B5EF4-FFF2-40B4-BE49-F238E27FC236}">
-                <a16:creationId xmlns:a16="http://schemas.microsoft.com/office/drawing/2014/main" id="{D88D5B86-1C99-C2B9-2B14-BF2D10EC8071}"/>
+              <a:t>Calculate Pearson Correlation Coefficient between observed variables</a:t>
+            </a:r>
+          </a:p>
+          <a:p>
+            <a:pPr marL="0" indent="0">
+              <a:buNone/>
+            </a:pPr>
+            <a:endParaRPr lang="en-DE" dirty="0"/>
+          </a:p>
+          <a:p>
+            <a:pPr marL="0" indent="0">
+              <a:buNone/>
+            </a:pPr>
+            <a:endParaRPr lang="en-DE" dirty="0"/>
+          </a:p>
+          <a:p>
+            <a:pPr marL="0" indent="0">
+              <a:buNone/>
+            </a:pPr>
+            <a:endParaRPr lang="en-DE" dirty="0"/>
+          </a:p>
+          <a:p>
+            <a:pPr marL="0" indent="0">
+              <a:buNone/>
+            </a:pPr>
+            <a:endParaRPr lang="en-DE" dirty="0"/>
+          </a:p>
+          <a:p>
+            <a:pPr marL="271448" marR="0" lvl="0" indent="-271448" algn="l" defTabSz="914347" rtl="0" eaLnBrk="1" fontAlgn="auto" latinLnBrk="0" hangingPunct="1">
+              <a:lnSpc>
+                <a:spcPct val="90000"/>
+              </a:lnSpc>
+              <a:spcBef>
+                <a:spcPts val="480"/>
+              </a:spcBef>
+              <a:spcAft>
+                <a:spcPts val="0"/>
+              </a:spcAft>
+              <a:buClrTx/>
+              <a:buSzPct val="88000"/>
+              <a:buFontTx/>
+              <a:buBlip>
+                <a:blip r:embed="rId2"/>
+              </a:buBlip>
+              <a:tabLst/>
+              <a:defRPr/>
+            </a:pPr>
+            <a:r>
+              <a:rPr kumimoji="0" lang="en-DE" sz="2600" b="0" i="0" u="none" strike="noStrike" kern="1200" cap="none" spc="0" normalizeH="0" baseline="0" noProof="0" dirty="0">
+                <a:ln>
+                  <a:noFill/>
+                </a:ln>
+                <a:solidFill>
+                  <a:prstClr val="black"/>
+                </a:solidFill>
+                <a:effectLst/>
+                <a:uLnTx/>
+                <a:uFillTx/>
+                <a:latin typeface="Arial"/>
+                <a:ea typeface="+mn-ea"/>
+                <a:cs typeface="+mn-cs"/>
+              </a:rPr>
+              <a:t>Add found correlations to the model to be considered</a:t>
+            </a:r>
+          </a:p>
+          <a:p>
+            <a:pPr marL="271448" marR="0" lvl="0" indent="-271448" algn="l" defTabSz="914347" rtl="0" eaLnBrk="1" fontAlgn="auto" latinLnBrk="0" hangingPunct="1">
+              <a:lnSpc>
+                <a:spcPct val="90000"/>
+              </a:lnSpc>
+              <a:spcBef>
+                <a:spcPts val="480"/>
+              </a:spcBef>
+              <a:spcAft>
+                <a:spcPts val="0"/>
+              </a:spcAft>
+              <a:buClrTx/>
+              <a:buSzPct val="88000"/>
+              <a:buFontTx/>
+              <a:buBlip>
+                <a:blip r:embed="rId2"/>
+              </a:buBlip>
+              <a:tabLst/>
+              <a:defRPr/>
+            </a:pPr>
+            <a:endParaRPr lang="en-DE" dirty="0">
+              <a:solidFill>
+                <a:prstClr val="black"/>
+              </a:solidFill>
+              <a:latin typeface="Arial"/>
+            </a:endParaRPr>
+          </a:p>
+          <a:p>
+            <a:pPr marL="271448" marR="0" lvl="0" indent="-271448" algn="l" defTabSz="914347" rtl="0" eaLnBrk="1" fontAlgn="auto" latinLnBrk="0" hangingPunct="1">
+              <a:lnSpc>
+                <a:spcPct val="90000"/>
+              </a:lnSpc>
+              <a:spcBef>
+                <a:spcPts val="480"/>
+              </a:spcBef>
+              <a:spcAft>
+                <a:spcPts val="0"/>
+              </a:spcAft>
+              <a:buClrTx/>
+              <a:buSzPct val="88000"/>
+              <a:buFontTx/>
+              <a:buBlip>
+                <a:blip r:embed="rId2"/>
+              </a:buBlip>
+              <a:tabLst/>
+              <a:defRPr/>
+            </a:pPr>
+            <a:r>
+              <a:rPr kumimoji="0" lang="en-DE" sz="2600" b="0" i="0" u="none" strike="noStrike" kern="1200" cap="none" spc="0" normalizeH="0" baseline="0" noProof="0" dirty="0">
+                <a:ln>
+                  <a:noFill/>
+                </a:ln>
+                <a:solidFill>
+                  <a:prstClr val="black"/>
+                </a:solidFill>
+                <a:effectLst/>
+                <a:uLnTx/>
+                <a:uFillTx/>
+                <a:latin typeface="Arial"/>
+                <a:ea typeface="+mn-ea"/>
+                <a:cs typeface="+mn-cs"/>
+              </a:rPr>
+              <a:t>Limitations: Only finds linear dependencies between variables</a:t>
+            </a:r>
+          </a:p>
+          <a:p>
+            <a:pPr lvl="1">
+              <a:defRPr/>
+            </a:pPr>
+            <a:r>
+              <a:rPr lang="en-DE">
+                <a:solidFill>
+                  <a:prstClr val="black"/>
+                </a:solidFill>
+                <a:latin typeface="Arial"/>
+              </a:rPr>
+              <a:t>But SEM is also for linear dependencies, so no problem</a:t>
+            </a:r>
+            <a:endParaRPr kumimoji="0" lang="en-DE" b="0" i="0" u="none" strike="noStrike" kern="1200" cap="none" spc="0" normalizeH="0" baseline="0" noProof="0" dirty="0">
+              <a:ln>
+                <a:noFill/>
+              </a:ln>
+              <a:solidFill>
+                <a:prstClr val="black"/>
+              </a:solidFill>
+              <a:effectLst/>
+              <a:uLnTx/>
+              <a:uFillTx/>
+              <a:latin typeface="Arial"/>
+              <a:ea typeface="+mn-ea"/>
+              <a:cs typeface="+mn-cs"/>
+            </a:endParaRPr>
+          </a:p>
+          <a:p>
+            <a:pPr marL="0" indent="0">
+              <a:buNone/>
+            </a:pPr>
+            <a:endParaRPr lang="en-DE" dirty="0"/>
+          </a:p>
+        </p:txBody>
+      </p:sp>
+      <p:sp>
+        <p:nvSpPr>
+          <p:cNvPr id="3" name="Date Placeholder 2">
+            <a:extLst>
+              <a:ext uri="{FF2B5EF4-FFF2-40B4-BE49-F238E27FC236}">
+                <a16:creationId xmlns:a16="http://schemas.microsoft.com/office/drawing/2014/main" id="{AA91C0F5-294E-A7E5-85CE-7F4B0D59DF56}"/>
               </a:ext>
             </a:extLst>
           </p:cNvPr>
@@ -10645,20 +12552,20 @@
           <a:bodyPr/>
           <a:lstStyle/>
           <a:p>
-            <a:fld id="{54BD4C5A-35E9-47D6-BDD6-A15EE1F6811B}" type="datetime4">
-              <a:rPr lang="en-US" smtClean="0"/>
+            <a:fld id="{162C1F81-0292-4658-B990-314031B5EEE0}" type="datetime4">
+              <a:rPr lang="en-US" noProof="0" smtClean="0"/>
               <a:t>October 16, 2024</a:t>
             </a:fld>
-            <a:endParaRPr lang="de-DE"/>
-          </a:p>
-        </p:txBody>
-      </p:sp>
-      <p:sp>
-        <p:nvSpPr>
-          <p:cNvPr id="7" name="Slide Number Placeholder 6">
-            <a:extLst>
-              <a:ext uri="{FF2B5EF4-FFF2-40B4-BE49-F238E27FC236}">
-                <a16:creationId xmlns:a16="http://schemas.microsoft.com/office/drawing/2014/main" id="{465F6EC9-A055-8E9B-B4A2-B56101EF43A2}"/>
+            <a:endParaRPr lang="en-US" noProof="0" dirty="0"/>
+          </a:p>
+        </p:txBody>
+      </p:sp>
+      <p:sp>
+        <p:nvSpPr>
+          <p:cNvPr id="4" name="Slide Number Placeholder 3">
+            <a:extLst>
+              <a:ext uri="{FF2B5EF4-FFF2-40B4-BE49-F238E27FC236}">
+                <a16:creationId xmlns:a16="http://schemas.microsoft.com/office/drawing/2014/main" id="{102EAC1C-4987-1120-E8E3-CE1A95606C81}"/>
               </a:ext>
             </a:extLst>
           </p:cNvPr>
@@ -10675,19 +12582,19 @@
           <a:lstStyle/>
           <a:p>
             <a:fld id="{61696EC4-B4CF-4701-AD06-A8439D6D8E12}" type="slidenum">
-              <a:rPr lang="de-DE" smtClean="0"/>
+              <a:rPr lang="en-US" noProof="0" smtClean="0"/>
               <a:t>8</a:t>
             </a:fld>
-            <a:endParaRPr lang="de-DE"/>
-          </a:p>
-        </p:txBody>
-      </p:sp>
-      <p:sp>
-        <p:nvSpPr>
-          <p:cNvPr id="9" name="Title 8">
-            <a:extLst>
-              <a:ext uri="{FF2B5EF4-FFF2-40B4-BE49-F238E27FC236}">
-                <a16:creationId xmlns:a16="http://schemas.microsoft.com/office/drawing/2014/main" id="{3F0F4EA8-39EA-7B98-0352-0A511ECF1201}"/>
+            <a:endParaRPr lang="en-US" noProof="0" dirty="0"/>
+          </a:p>
+        </p:txBody>
+      </p:sp>
+      <p:sp>
+        <p:nvSpPr>
+          <p:cNvPr id="5" name="Title 4">
+            <a:extLst>
+              <a:ext uri="{FF2B5EF4-FFF2-40B4-BE49-F238E27FC236}">
+                <a16:creationId xmlns:a16="http://schemas.microsoft.com/office/drawing/2014/main" id="{EAFF1A97-62A9-9909-9C68-BF31F8B1E34C}"/>
               </a:ext>
             </a:extLst>
           </p:cNvPr>
@@ -10705,15 +12612,401 @@
           <a:p>
             <a:r>
               <a:rPr lang="en-DE" dirty="0"/>
-              <a:t>Correlation</a:t>
-            </a:r>
-          </a:p>
-        </p:txBody>
-      </p:sp>
+              <a:t>SEM – Connection Links Observed Variables</a:t>
+            </a:r>
+            <a:endParaRPr lang="en-DE" b="0" dirty="0"/>
+          </a:p>
+        </p:txBody>
+      </p:sp>
+      <mc:AlternateContent xmlns:mc="http://schemas.openxmlformats.org/markup-compatibility/2006">
+        <mc:Choice xmlns:a14="http://schemas.microsoft.com/office/drawing/2010/main" Requires="a14">
+          <p:sp>
+            <p:nvSpPr>
+              <p:cNvPr id="6" name="TextBox 5">
+                <a:extLst>
+                  <a:ext uri="{FF2B5EF4-FFF2-40B4-BE49-F238E27FC236}">
+                    <a16:creationId xmlns:a16="http://schemas.microsoft.com/office/drawing/2014/main" id="{E7993775-823B-0883-AB0D-6D25D1B660D5}"/>
+                  </a:ext>
+                </a:extLst>
+              </p:cNvPr>
+              <p:cNvSpPr txBox="1"/>
+              <p:nvPr/>
+            </p:nvSpPr>
+            <p:spPr>
+              <a:xfrm>
+                <a:off x="1362300" y="2213989"/>
+                <a:ext cx="3599255" cy="869084"/>
+              </a:xfrm>
+              <a:prstGeom prst="rect">
+                <a:avLst/>
+              </a:prstGeom>
+              <a:noFill/>
+              <a:ln w="38100">
+                <a:solidFill>
+                  <a:schemeClr val="tx2"/>
+                </a:solidFill>
+              </a:ln>
+            </p:spPr>
+            <p:txBody>
+              <a:bodyPr wrap="none" lIns="0" tIns="0" rIns="0" bIns="0" rtlCol="0">
+                <a:spAutoFit/>
+              </a:bodyPr>
+              <a:lstStyle/>
+              <a:p>
+                <a14:m>
+                  <m:oMathPara xmlns:m="http://schemas.openxmlformats.org/officeDocument/2006/math">
+                    <m:oMathParaPr>
+                      <m:jc m:val="centerGroup"/>
+                    </m:oMathParaPr>
+                    <m:oMath xmlns:m="http://schemas.openxmlformats.org/officeDocument/2006/math">
+                      <m:r>
+                        <a:rPr lang="de-DE" b="0" i="1" smtClean="0">
+                          <a:latin typeface="Cambria Math" panose="02040503050406030204" pitchFamily="18" charset="0"/>
+                        </a:rPr>
+                        <m:t>𝑟</m:t>
+                      </m:r>
+                      <m:r>
+                        <a:rPr lang="de-DE" b="0" i="1" smtClean="0">
+                          <a:latin typeface="Cambria Math" panose="02040503050406030204" pitchFamily="18" charset="0"/>
+                        </a:rPr>
+                        <m:t>= </m:t>
+                      </m:r>
+                      <m:f>
+                        <m:fPr>
+                          <m:ctrlPr>
+                            <a:rPr lang="de-DE" b="0" i="1" smtClean="0">
+                              <a:latin typeface="Cambria Math" panose="02040503050406030204" pitchFamily="18" charset="0"/>
+                            </a:rPr>
+                          </m:ctrlPr>
+                        </m:fPr>
+                        <m:num>
+                          <m:nary>
+                            <m:naryPr>
+                              <m:chr m:val="∑"/>
+                              <m:subHide m:val="on"/>
+                              <m:supHide m:val="on"/>
+                              <m:ctrlPr>
+                                <a:rPr lang="de-DE" b="0" i="1" smtClean="0">
+                                  <a:latin typeface="Cambria Math" panose="02040503050406030204" pitchFamily="18" charset="0"/>
+                                </a:rPr>
+                              </m:ctrlPr>
+                            </m:naryPr>
+                            <m:sub/>
+                            <m:sup/>
+                            <m:e>
+                              <m:r>
+                                <a:rPr lang="de-DE" b="0" i="1" smtClean="0">
+                                  <a:latin typeface="Cambria Math" panose="02040503050406030204" pitchFamily="18" charset="0"/>
+                                </a:rPr>
+                                <m:t>(</m:t>
+                              </m:r>
+                              <m:r>
+                                <a:rPr lang="de-DE" b="0" i="1" smtClean="0">
+                                  <a:latin typeface="Cambria Math" panose="02040503050406030204" pitchFamily="18" charset="0"/>
+                                </a:rPr>
+                                <m:t>𝑥</m:t>
+                              </m:r>
+                              <m:r>
+                                <a:rPr lang="de-DE" b="0" i="1" smtClean="0">
+                                  <a:latin typeface="Cambria Math" panose="02040503050406030204" pitchFamily="18" charset="0"/>
+                                </a:rPr>
+                                <m:t>−</m:t>
+                              </m:r>
+                              <m:acc>
+                                <m:accPr>
+                                  <m:chr m:val="̅"/>
+                                  <m:ctrlPr>
+                                    <a:rPr lang="de-DE" b="0" i="1" smtClean="0">
+                                      <a:latin typeface="Cambria Math" panose="02040503050406030204" pitchFamily="18" charset="0"/>
+                                    </a:rPr>
+                                  </m:ctrlPr>
+                                </m:accPr>
+                                <m:e>
+                                  <m:r>
+                                    <a:rPr lang="de-DE" b="0" i="1" smtClean="0">
+                                      <a:latin typeface="Cambria Math" panose="02040503050406030204" pitchFamily="18" charset="0"/>
+                                    </a:rPr>
+                                    <m:t>𝑦</m:t>
+                                  </m:r>
+                                </m:e>
+                              </m:acc>
+                              <m:r>
+                                <a:rPr lang="de-DE" b="0" i="1" smtClean="0">
+                                  <a:latin typeface="Cambria Math" panose="02040503050406030204" pitchFamily="18" charset="0"/>
+                                </a:rPr>
+                                <m:t>)(</m:t>
+                              </m:r>
+                              <m:r>
+                                <a:rPr lang="de-DE" b="0" i="1" smtClean="0">
+                                  <a:latin typeface="Cambria Math" panose="02040503050406030204" pitchFamily="18" charset="0"/>
+                                </a:rPr>
+                                <m:t>𝑦</m:t>
+                              </m:r>
+                              <m:r>
+                                <a:rPr lang="de-DE" b="0" i="1" smtClean="0">
+                                  <a:latin typeface="Cambria Math" panose="02040503050406030204" pitchFamily="18" charset="0"/>
+                                </a:rPr>
+                                <m:t>−</m:t>
+                              </m:r>
+                              <m:acc>
+                                <m:accPr>
+                                  <m:chr m:val="̅"/>
+                                  <m:ctrlPr>
+                                    <a:rPr lang="de-DE" b="0" i="1" smtClean="0">
+                                      <a:latin typeface="Cambria Math" panose="02040503050406030204" pitchFamily="18" charset="0"/>
+                                    </a:rPr>
+                                  </m:ctrlPr>
+                                </m:accPr>
+                                <m:e>
+                                  <m:r>
+                                    <a:rPr lang="de-DE" b="0" i="1" smtClean="0">
+                                      <a:latin typeface="Cambria Math" panose="02040503050406030204" pitchFamily="18" charset="0"/>
+                                    </a:rPr>
+                                    <m:t>𝑦</m:t>
+                                  </m:r>
+                                </m:e>
+                              </m:acc>
+                              <m:r>
+                                <a:rPr lang="de-DE" b="0" i="1" smtClean="0">
+                                  <a:latin typeface="Cambria Math" panose="02040503050406030204" pitchFamily="18" charset="0"/>
+                                </a:rPr>
+                                <m:t>)</m:t>
+                              </m:r>
+                            </m:e>
+                          </m:nary>
+                        </m:num>
+                        <m:den>
+                          <m:rad>
+                            <m:radPr>
+                              <m:degHide m:val="on"/>
+                              <m:ctrlPr>
+                                <a:rPr lang="de-DE" b="0" i="1" smtClean="0">
+                                  <a:latin typeface="Cambria Math" panose="02040503050406030204" pitchFamily="18" charset="0"/>
+                                </a:rPr>
+                              </m:ctrlPr>
+                            </m:radPr>
+                            <m:deg/>
+                            <m:e>
+                              <m:nary>
+                                <m:naryPr>
+                                  <m:chr m:val="∑"/>
+                                  <m:subHide m:val="on"/>
+                                  <m:supHide m:val="on"/>
+                                  <m:ctrlPr>
+                                    <a:rPr lang="de-DE" b="0" i="1" smtClean="0">
+                                      <a:latin typeface="Cambria Math" panose="02040503050406030204" pitchFamily="18" charset="0"/>
+                                    </a:rPr>
+                                  </m:ctrlPr>
+                                </m:naryPr>
+                                <m:sub/>
+                                <m:sup/>
+                                <m:e>
+                                  <m:sSup>
+                                    <m:sSupPr>
+                                      <m:ctrlPr>
+                                        <a:rPr lang="de-DE" b="0" i="1" smtClean="0">
+                                          <a:latin typeface="Cambria Math" panose="02040503050406030204" pitchFamily="18" charset="0"/>
+                                        </a:rPr>
+                                      </m:ctrlPr>
+                                    </m:sSupPr>
+                                    <m:e>
+                                      <m:r>
+                                        <a:rPr lang="de-DE" b="0" i="1" smtClean="0">
+                                          <a:latin typeface="Cambria Math" panose="02040503050406030204" pitchFamily="18" charset="0"/>
+                                        </a:rPr>
+                                        <m:t>(</m:t>
+                                      </m:r>
+                                      <m:r>
+                                        <a:rPr lang="de-DE" b="0" i="1" smtClean="0">
+                                          <a:latin typeface="Cambria Math" panose="02040503050406030204" pitchFamily="18" charset="0"/>
+                                        </a:rPr>
+                                        <m:t>𝑥</m:t>
+                                      </m:r>
+                                      <m:r>
+                                        <a:rPr lang="de-DE" b="0" i="1" smtClean="0">
+                                          <a:latin typeface="Cambria Math" panose="02040503050406030204" pitchFamily="18" charset="0"/>
+                                        </a:rPr>
+                                        <m:t>−</m:t>
+                                      </m:r>
+                                      <m:acc>
+                                        <m:accPr>
+                                          <m:chr m:val="̅"/>
+                                          <m:ctrlPr>
+                                            <a:rPr lang="de-DE" b="0" i="1" smtClean="0">
+                                              <a:latin typeface="Cambria Math" panose="02040503050406030204" pitchFamily="18" charset="0"/>
+                                            </a:rPr>
+                                          </m:ctrlPr>
+                                        </m:accPr>
+                                        <m:e>
+                                          <m:r>
+                                            <a:rPr lang="de-DE" b="0" i="1" smtClean="0">
+                                              <a:latin typeface="Cambria Math" panose="02040503050406030204" pitchFamily="18" charset="0"/>
+                                            </a:rPr>
+                                            <m:t>𝑥</m:t>
+                                          </m:r>
+                                        </m:e>
+                                      </m:acc>
+                                      <m:r>
+                                        <a:rPr lang="de-DE" b="0" i="1" smtClean="0">
+                                          <a:latin typeface="Cambria Math" panose="02040503050406030204" pitchFamily="18" charset="0"/>
+                                        </a:rPr>
+                                        <m:t>)</m:t>
+                                      </m:r>
+                                    </m:e>
+                                    <m:sup>
+                                      <m:r>
+                                        <a:rPr lang="de-DE" b="0" i="1" smtClean="0">
+                                          <a:latin typeface="Cambria Math" panose="02040503050406030204" pitchFamily="18" charset="0"/>
+                                        </a:rPr>
+                                        <m:t>2</m:t>
+                                      </m:r>
+                                    </m:sup>
+                                  </m:sSup>
+                                  <m:nary>
+                                    <m:naryPr>
+                                      <m:chr m:val="∑"/>
+                                      <m:subHide m:val="on"/>
+                                      <m:supHide m:val="on"/>
+                                      <m:ctrlPr>
+                                        <a:rPr lang="de-DE" b="0" i="1" smtClean="0">
+                                          <a:latin typeface="Cambria Math" panose="02040503050406030204" pitchFamily="18" charset="0"/>
+                                        </a:rPr>
+                                      </m:ctrlPr>
+                                    </m:naryPr>
+                                    <m:sub/>
+                                    <m:sup/>
+                                    <m:e>
+                                      <m:sSup>
+                                        <m:sSupPr>
+                                          <m:ctrlPr>
+                                            <a:rPr lang="de-DE" b="0" i="1" smtClean="0">
+                                              <a:latin typeface="Cambria Math" panose="02040503050406030204" pitchFamily="18" charset="0"/>
+                                            </a:rPr>
+                                          </m:ctrlPr>
+                                        </m:sSupPr>
+                                        <m:e>
+                                          <m:r>
+                                            <a:rPr lang="de-DE" b="0" i="1" smtClean="0">
+                                              <a:latin typeface="Cambria Math" panose="02040503050406030204" pitchFamily="18" charset="0"/>
+                                            </a:rPr>
+                                            <m:t>(</m:t>
+                                          </m:r>
+                                          <m:r>
+                                            <a:rPr lang="de-DE" b="0" i="1" smtClean="0">
+                                              <a:latin typeface="Cambria Math" panose="02040503050406030204" pitchFamily="18" charset="0"/>
+                                            </a:rPr>
+                                            <m:t>𝑦</m:t>
+                                          </m:r>
+                                          <m:r>
+                                            <a:rPr lang="de-DE" b="0" i="1" smtClean="0">
+                                              <a:latin typeface="Cambria Math" panose="02040503050406030204" pitchFamily="18" charset="0"/>
+                                            </a:rPr>
+                                            <m:t>−</m:t>
+                                          </m:r>
+                                          <m:acc>
+                                            <m:accPr>
+                                              <m:chr m:val="̅"/>
+                                              <m:ctrlPr>
+                                                <a:rPr lang="de-DE" b="0" i="1" smtClean="0">
+                                                  <a:latin typeface="Cambria Math" panose="02040503050406030204" pitchFamily="18" charset="0"/>
+                                                </a:rPr>
+                                              </m:ctrlPr>
+                                            </m:accPr>
+                                            <m:e>
+                                              <m:r>
+                                                <a:rPr lang="de-DE" b="0" i="1" smtClean="0">
+                                                  <a:latin typeface="Cambria Math" panose="02040503050406030204" pitchFamily="18" charset="0"/>
+                                                </a:rPr>
+                                                <m:t>𝑦</m:t>
+                                              </m:r>
+                                            </m:e>
+                                          </m:acc>
+                                          <m:r>
+                                            <a:rPr lang="de-DE" b="0" i="1" smtClean="0">
+                                              <a:latin typeface="Cambria Math" panose="02040503050406030204" pitchFamily="18" charset="0"/>
+                                            </a:rPr>
+                                            <m:t>)</m:t>
+                                          </m:r>
+                                        </m:e>
+                                        <m:sup>
+                                          <m:r>
+                                            <a:rPr lang="de-DE" b="0" i="1" smtClean="0">
+                                              <a:latin typeface="Cambria Math" panose="02040503050406030204" pitchFamily="18" charset="0"/>
+                                            </a:rPr>
+                                            <m:t>2</m:t>
+                                          </m:r>
+                                        </m:sup>
+                                      </m:sSup>
+                                    </m:e>
+                                  </m:nary>
+                                </m:e>
+                              </m:nary>
+                            </m:e>
+                          </m:rad>
+                        </m:den>
+                      </m:f>
+                    </m:oMath>
+                  </m:oMathPara>
+                </a14:m>
+                <a:endParaRPr lang="en-DE" dirty="0"/>
+              </a:p>
+            </p:txBody>
+          </p:sp>
+        </mc:Choice>
+        <mc:Fallback>
+          <p:sp>
+            <p:nvSpPr>
+              <p:cNvPr id="6" name="TextBox 5">
+                <a:extLst>
+                  <a:ext uri="{FF2B5EF4-FFF2-40B4-BE49-F238E27FC236}">
+                    <a16:creationId xmlns:a16="http://schemas.microsoft.com/office/drawing/2014/main" id="{E7993775-823B-0883-AB0D-6D25D1B660D5}"/>
+                  </a:ext>
+                </a:extLst>
+              </p:cNvPr>
+              <p:cNvSpPr txBox="1">
+                <a:spLocks noRot="1" noChangeAspect="1" noMove="1" noResize="1" noEditPoints="1" noAdjustHandles="1" noChangeArrowheads="1" noChangeShapeType="1" noTextEdit="1"/>
+              </p:cNvSpPr>
+              <p:nvPr/>
+            </p:nvSpPr>
+            <p:spPr>
+              <a:xfrm>
+                <a:off x="1362300" y="2213989"/>
+                <a:ext cx="3599255" cy="869084"/>
+              </a:xfrm>
+              <a:prstGeom prst="rect">
+                <a:avLst/>
+              </a:prstGeom>
+              <a:blipFill>
+                <a:blip r:embed="rId3"/>
+                <a:stretch>
+                  <a:fillRect t="-69863" b="-97260"/>
+                </a:stretch>
+              </a:blipFill>
+              <a:ln w="38100">
+                <a:solidFill>
+                  <a:schemeClr val="tx2"/>
+                </a:solidFill>
+              </a:ln>
+            </p:spPr>
+            <p:txBody>
+              <a:bodyPr/>
+              <a:lstStyle/>
+              <a:p>
+                <a:r>
+                  <a:rPr lang="en-DE">
+                    <a:noFill/>
+                  </a:rPr>
+                  <a:t> </a:t>
+                </a:r>
+              </a:p>
+            </p:txBody>
+          </p:sp>
+        </mc:Fallback>
+      </mc:AlternateContent>
     </p:spTree>
     <p:extLst>
       <p:ext uri="{BB962C8B-B14F-4D97-AF65-F5344CB8AC3E}">
-        <p14:creationId xmlns:p14="http://schemas.microsoft.com/office/powerpoint/2010/main" val="4228581615"/>
+        <p14:creationId xmlns:p14="http://schemas.microsoft.com/office/powerpoint/2010/main" val="428192161"/>
       </p:ext>
     </p:extLst>
   </p:cSld>
@@ -10724,7 +13017,7 @@
 </file>
 
 <file path=ppt/slides/slide9.xml><?xml version="1.0" encoding="utf-8"?>
-<p:sld xmlns:a="http://schemas.openxmlformats.org/drawingml/2006/main" xmlns:r="http://schemas.openxmlformats.org/officeDocument/2006/relationships" xmlns:p="http://schemas.openxmlformats.org/presentationml/2006/main">
+<p:sld xmlns:a="http://schemas.openxmlformats.org/drawingml/2006/main" xmlns:r="http://schemas.openxmlformats.org/officeDocument/2006/relationships" xmlns:p="http://schemas.openxmlformats.org/presentationml/2006/main" show="0">
   <p:cSld>
     <p:spTree>
       <p:nvGrpSpPr>
@@ -10740,8 +13033,8 @@
           <a:chExt cx="0" cy="0"/>
         </a:xfrm>
       </p:grpSpPr>
-      <mc:AlternateContent xmlns:mc="http://schemas.openxmlformats.org/markup-compatibility/2006">
-        <mc:Choice xmlns:a14="http://schemas.microsoft.com/office/drawing/2010/main" Requires="a14">
+      <mc:AlternateContent xmlns:mc="http://schemas.openxmlformats.org/markup-compatibility/2006" xmlns:a14="http://schemas.microsoft.com/office/drawing/2010/main">
+        <mc:Choice Requires="a14">
           <p:sp>
             <p:nvSpPr>
               <p:cNvPr id="2" name="Content Placeholder 1">
@@ -11158,7 +13451,7 @@
             </p:txBody>
           </p:sp>
         </mc:Choice>
-        <mc:Fallback>
+        <mc:Fallback xmlns="">
           <p:sp>
             <p:nvSpPr>
               <p:cNvPr id="2" name="Content Placeholder 1">
@@ -11284,8 +13577,8 @@
           </a:p>
         </p:txBody>
       </p:sp>
-      <mc:AlternateContent xmlns:mc="http://schemas.openxmlformats.org/markup-compatibility/2006">
-        <mc:Choice xmlns:a14="http://schemas.microsoft.com/office/drawing/2010/main" Requires="a14">
+      <mc:AlternateContent xmlns:mc="http://schemas.openxmlformats.org/markup-compatibility/2006" xmlns:a14="http://schemas.microsoft.com/office/drawing/2010/main">
+        <mc:Choice Requires="a14">
           <p:sp>
             <p:nvSpPr>
               <p:cNvPr id="7" name="TextBox 6">
@@ -11319,6 +13612,7 @@
               </a:bodyPr>
               <a:lstStyle/>
               <a:p>
+                <a:pPr/>
                 <a14:m>
                   <m:oMathPara xmlns:m="http://schemas.openxmlformats.org/officeDocument/2006/math">
                     <m:oMathParaPr>
@@ -11839,7 +14133,7 @@
             </p:txBody>
           </p:sp>
         </mc:Choice>
-        <mc:Fallback>
+        <mc:Fallback xmlns="">
           <p:sp>
             <p:nvSpPr>
               <p:cNvPr id="7" name="TextBox 6">
